--- a/遥控器.pptx
+++ b/遥控器.pptx
@@ -174,7 +174,7 @@
           </a:lstStyle>
           <a:p>
             <a:r>
-              <a:rPr lang="zh-CN" altLang="en-US" smtClean="0"/>
+              <a:rPr lang="zh-CN" altLang="en-US"/>
               <a:t>单击此处编辑母版标题样式</a:t>
             </a:r>
             <a:endParaRPr lang="en-US" dirty="0"/>
@@ -245,7 +245,7 @@
           </a:lstStyle>
           <a:p>
             <a:r>
-              <a:rPr lang="zh-CN" altLang="en-US" smtClean="0"/>
+              <a:rPr lang="zh-CN" altLang="en-US"/>
               <a:t>单击以编辑母版副标题样式</a:t>
             </a:r>
             <a:endParaRPr lang="en-US" dirty="0"/>
@@ -269,7 +269,7 @@
           <a:p>
             <a:fld id="{48A87A34-81AB-432B-8DAE-1953F412C126}" type="datetimeFigureOut">
               <a:rPr lang="en-US" dirty="0"/>
-              <a:t>2/21/2016</a:t>
+              <a:t>4/3/2016</a:t>
             </a:fld>
             <a:endParaRPr lang="en-US" dirty="0"/>
           </a:p>
@@ -399,7 +399,7 @@
           <a:lstStyle/>
           <a:p>
             <a:r>
-              <a:rPr lang="zh-CN" altLang="en-US" smtClean="0"/>
+              <a:rPr lang="zh-CN" altLang="en-US"/>
               <a:t>单击此处编辑母版标题样式</a:t>
             </a:r>
             <a:endParaRPr lang="en-US" dirty="0"/>
@@ -423,35 +423,35 @@
           <a:p>
             <a:pPr lvl="0"/>
             <a:r>
-              <a:rPr lang="zh-CN" altLang="en-US" smtClean="0"/>
+              <a:rPr lang="zh-CN" altLang="en-US"/>
               <a:t>编辑母版文本样式</a:t>
             </a:r>
           </a:p>
           <a:p>
             <a:pPr lvl="1"/>
             <a:r>
-              <a:rPr lang="zh-CN" altLang="en-US" smtClean="0"/>
+              <a:rPr lang="zh-CN" altLang="en-US"/>
               <a:t>第二级</a:t>
             </a:r>
           </a:p>
           <a:p>
             <a:pPr lvl="2"/>
             <a:r>
-              <a:rPr lang="zh-CN" altLang="en-US" smtClean="0"/>
+              <a:rPr lang="zh-CN" altLang="en-US"/>
               <a:t>第三级</a:t>
             </a:r>
           </a:p>
           <a:p>
             <a:pPr lvl="3"/>
             <a:r>
-              <a:rPr lang="zh-CN" altLang="en-US" smtClean="0"/>
+              <a:rPr lang="zh-CN" altLang="en-US"/>
               <a:t>第四级</a:t>
             </a:r>
           </a:p>
           <a:p>
             <a:pPr lvl="4"/>
             <a:r>
-              <a:rPr lang="zh-CN" altLang="en-US" smtClean="0"/>
+              <a:rPr lang="zh-CN" altLang="en-US"/>
               <a:t>第五级</a:t>
             </a:r>
             <a:endParaRPr lang="en-US" dirty="0"/>
@@ -475,7 +475,7 @@
           <a:p>
             <a:fld id="{48A87A34-81AB-432B-8DAE-1953F412C126}" type="datetimeFigureOut">
               <a:rPr lang="en-US" dirty="0"/>
-              <a:t>2/21/2016</a:t>
+              <a:t>4/3/2016</a:t>
             </a:fld>
             <a:endParaRPr lang="en-US" dirty="0"/>
           </a:p>
@@ -604,7 +604,7 @@
           </a:lstStyle>
           <a:p>
             <a:r>
-              <a:rPr lang="zh-CN" altLang="en-US" smtClean="0"/>
+              <a:rPr lang="zh-CN" altLang="en-US"/>
               <a:t>单击此处编辑母版标题样式</a:t>
             </a:r>
             <a:endParaRPr lang="en-US" dirty="0"/>
@@ -633,35 +633,35 @@
           <a:p>
             <a:pPr lvl="0"/>
             <a:r>
-              <a:rPr lang="zh-CN" altLang="en-US" smtClean="0"/>
+              <a:rPr lang="zh-CN" altLang="en-US"/>
               <a:t>编辑母版文本样式</a:t>
             </a:r>
           </a:p>
           <a:p>
             <a:pPr lvl="1"/>
             <a:r>
-              <a:rPr lang="zh-CN" altLang="en-US" smtClean="0"/>
+              <a:rPr lang="zh-CN" altLang="en-US"/>
               <a:t>第二级</a:t>
             </a:r>
           </a:p>
           <a:p>
             <a:pPr lvl="2"/>
             <a:r>
-              <a:rPr lang="zh-CN" altLang="en-US" smtClean="0"/>
+              <a:rPr lang="zh-CN" altLang="en-US"/>
               <a:t>第三级</a:t>
             </a:r>
           </a:p>
           <a:p>
             <a:pPr lvl="3"/>
             <a:r>
-              <a:rPr lang="zh-CN" altLang="en-US" smtClean="0"/>
+              <a:rPr lang="zh-CN" altLang="en-US"/>
               <a:t>第四级</a:t>
             </a:r>
           </a:p>
           <a:p>
             <a:pPr lvl="4"/>
             <a:r>
-              <a:rPr lang="zh-CN" altLang="en-US" smtClean="0"/>
+              <a:rPr lang="zh-CN" altLang="en-US"/>
               <a:t>第五级</a:t>
             </a:r>
             <a:endParaRPr lang="en-US" dirty="0"/>
@@ -685,7 +685,7 @@
           <a:p>
             <a:fld id="{48A87A34-81AB-432B-8DAE-1953F412C126}" type="datetimeFigureOut">
               <a:rPr lang="en-US" dirty="0"/>
-              <a:t>2/21/2016</a:t>
+              <a:t>4/3/2016</a:t>
             </a:fld>
             <a:endParaRPr lang="en-US" dirty="0"/>
           </a:p>
@@ -805,7 +805,7 @@
           <a:lstStyle/>
           <a:p>
             <a:r>
-              <a:rPr lang="zh-CN" altLang="en-US" smtClean="0"/>
+              <a:rPr lang="zh-CN" altLang="en-US"/>
               <a:t>单击此处编辑母版标题样式</a:t>
             </a:r>
             <a:endParaRPr lang="en-US" dirty="0"/>
@@ -829,35 +829,35 @@
           <a:p>
             <a:pPr lvl="0"/>
             <a:r>
-              <a:rPr lang="zh-CN" altLang="en-US" smtClean="0"/>
+              <a:rPr lang="zh-CN" altLang="en-US"/>
               <a:t>编辑母版文本样式</a:t>
             </a:r>
           </a:p>
           <a:p>
             <a:pPr lvl="1"/>
             <a:r>
-              <a:rPr lang="zh-CN" altLang="en-US" smtClean="0"/>
+              <a:rPr lang="zh-CN" altLang="en-US"/>
               <a:t>第二级</a:t>
             </a:r>
           </a:p>
           <a:p>
             <a:pPr lvl="2"/>
             <a:r>
-              <a:rPr lang="zh-CN" altLang="en-US" smtClean="0"/>
+              <a:rPr lang="zh-CN" altLang="en-US"/>
               <a:t>第三级</a:t>
             </a:r>
           </a:p>
           <a:p>
             <a:pPr lvl="3"/>
             <a:r>
-              <a:rPr lang="zh-CN" altLang="en-US" smtClean="0"/>
+              <a:rPr lang="zh-CN" altLang="en-US"/>
               <a:t>第四级</a:t>
             </a:r>
           </a:p>
           <a:p>
             <a:pPr lvl="4"/>
             <a:r>
-              <a:rPr lang="zh-CN" altLang="en-US" smtClean="0"/>
+              <a:rPr lang="zh-CN" altLang="en-US"/>
               <a:t>第五级</a:t>
             </a:r>
             <a:endParaRPr lang="en-US" dirty="0"/>
@@ -881,7 +881,7 @@
           <a:p>
             <a:fld id="{48A87A34-81AB-432B-8DAE-1953F412C126}" type="datetimeFigureOut">
               <a:rPr lang="en-US" dirty="0"/>
-              <a:t>2/21/2016</a:t>
+              <a:t>4/3/2016</a:t>
             </a:fld>
             <a:endParaRPr lang="en-US" dirty="0"/>
           </a:p>
@@ -1012,7 +1012,7 @@
           </a:lstStyle>
           <a:p>
             <a:r>
-              <a:rPr lang="zh-CN" altLang="en-US" smtClean="0"/>
+              <a:rPr lang="zh-CN" altLang="en-US"/>
               <a:t>单击此处编辑母版标题样式</a:t>
             </a:r>
             <a:endParaRPr lang="en-US" dirty="0"/>
@@ -1132,7 +1132,7 @@
           <a:p>
             <a:pPr lvl="0"/>
             <a:r>
-              <a:rPr lang="zh-CN" altLang="en-US" smtClean="0"/>
+              <a:rPr lang="zh-CN" altLang="en-US"/>
               <a:t>编辑母版文本样式</a:t>
             </a:r>
           </a:p>
@@ -1155,7 +1155,7 @@
           <a:p>
             <a:fld id="{48A87A34-81AB-432B-8DAE-1953F412C126}" type="datetimeFigureOut">
               <a:rPr lang="en-US" dirty="0"/>
-              <a:t>2/21/2016</a:t>
+              <a:t>4/3/2016</a:t>
             </a:fld>
             <a:endParaRPr lang="en-US" dirty="0"/>
           </a:p>
@@ -1280,7 +1280,7 @@
           <a:lstStyle/>
           <a:p>
             <a:r>
-              <a:rPr lang="zh-CN" altLang="en-US" smtClean="0"/>
+              <a:rPr lang="zh-CN" altLang="en-US"/>
               <a:t>单击此处编辑母版标题样式</a:t>
             </a:r>
             <a:endParaRPr lang="en-US" dirty="0"/>
@@ -1309,35 +1309,35 @@
           <a:p>
             <a:pPr lvl="0"/>
             <a:r>
-              <a:rPr lang="zh-CN" altLang="en-US" smtClean="0"/>
+              <a:rPr lang="zh-CN" altLang="en-US"/>
               <a:t>编辑母版文本样式</a:t>
             </a:r>
           </a:p>
           <a:p>
             <a:pPr lvl="1"/>
             <a:r>
-              <a:rPr lang="zh-CN" altLang="en-US" smtClean="0"/>
+              <a:rPr lang="zh-CN" altLang="en-US"/>
               <a:t>第二级</a:t>
             </a:r>
           </a:p>
           <a:p>
             <a:pPr lvl="2"/>
             <a:r>
-              <a:rPr lang="zh-CN" altLang="en-US" smtClean="0"/>
+              <a:rPr lang="zh-CN" altLang="en-US"/>
               <a:t>第三级</a:t>
             </a:r>
           </a:p>
           <a:p>
             <a:pPr lvl="3"/>
             <a:r>
-              <a:rPr lang="zh-CN" altLang="en-US" smtClean="0"/>
+              <a:rPr lang="zh-CN" altLang="en-US"/>
               <a:t>第四级</a:t>
             </a:r>
           </a:p>
           <a:p>
             <a:pPr lvl="4"/>
             <a:r>
-              <a:rPr lang="zh-CN" altLang="en-US" smtClean="0"/>
+              <a:rPr lang="zh-CN" altLang="en-US"/>
               <a:t>第五级</a:t>
             </a:r>
             <a:endParaRPr lang="en-US" dirty="0"/>
@@ -1366,35 +1366,35 @@
           <a:p>
             <a:pPr lvl="0"/>
             <a:r>
-              <a:rPr lang="zh-CN" altLang="en-US" smtClean="0"/>
+              <a:rPr lang="zh-CN" altLang="en-US"/>
               <a:t>编辑母版文本样式</a:t>
             </a:r>
           </a:p>
           <a:p>
             <a:pPr lvl="1"/>
             <a:r>
-              <a:rPr lang="zh-CN" altLang="en-US" smtClean="0"/>
+              <a:rPr lang="zh-CN" altLang="en-US"/>
               <a:t>第二级</a:t>
             </a:r>
           </a:p>
           <a:p>
             <a:pPr lvl="2"/>
             <a:r>
-              <a:rPr lang="zh-CN" altLang="en-US" smtClean="0"/>
+              <a:rPr lang="zh-CN" altLang="en-US"/>
               <a:t>第三级</a:t>
             </a:r>
           </a:p>
           <a:p>
             <a:pPr lvl="3"/>
             <a:r>
-              <a:rPr lang="zh-CN" altLang="en-US" smtClean="0"/>
+              <a:rPr lang="zh-CN" altLang="en-US"/>
               <a:t>第四级</a:t>
             </a:r>
           </a:p>
           <a:p>
             <a:pPr lvl="4"/>
             <a:r>
-              <a:rPr lang="zh-CN" altLang="en-US" smtClean="0"/>
+              <a:rPr lang="zh-CN" altLang="en-US"/>
               <a:t>第五级</a:t>
             </a:r>
             <a:endParaRPr lang="en-US" dirty="0"/>
@@ -1418,7 +1418,7 @@
           <a:p>
             <a:fld id="{48A87A34-81AB-432B-8DAE-1953F412C126}" type="datetimeFigureOut">
               <a:rPr lang="en-US" dirty="0"/>
-              <a:t>2/21/2016</a:t>
+              <a:t>4/3/2016</a:t>
             </a:fld>
             <a:endParaRPr lang="en-US" dirty="0"/>
           </a:p>
@@ -1543,7 +1543,7 @@
           <a:lstStyle/>
           <a:p>
             <a:r>
-              <a:rPr lang="zh-CN" altLang="en-US" smtClean="0"/>
+              <a:rPr lang="zh-CN" altLang="en-US"/>
               <a:t>单击此处编辑母版标题样式</a:t>
             </a:r>
             <a:endParaRPr lang="en-US" dirty="0"/>
@@ -1618,7 +1618,7 @@
           <a:p>
             <a:pPr lvl="0"/>
             <a:r>
-              <a:rPr lang="zh-CN" altLang="en-US" smtClean="0"/>
+              <a:rPr lang="zh-CN" altLang="en-US"/>
               <a:t>编辑母版文本样式</a:t>
             </a:r>
           </a:p>
@@ -1646,35 +1646,35 @@
           <a:p>
             <a:pPr lvl="0"/>
             <a:r>
-              <a:rPr lang="zh-CN" altLang="en-US" smtClean="0"/>
+              <a:rPr lang="zh-CN" altLang="en-US"/>
               <a:t>编辑母版文本样式</a:t>
             </a:r>
           </a:p>
           <a:p>
             <a:pPr lvl="1"/>
             <a:r>
-              <a:rPr lang="zh-CN" altLang="en-US" smtClean="0"/>
+              <a:rPr lang="zh-CN" altLang="en-US"/>
               <a:t>第二级</a:t>
             </a:r>
           </a:p>
           <a:p>
             <a:pPr lvl="2"/>
             <a:r>
-              <a:rPr lang="zh-CN" altLang="en-US" smtClean="0"/>
+              <a:rPr lang="zh-CN" altLang="en-US"/>
               <a:t>第三级</a:t>
             </a:r>
           </a:p>
           <a:p>
             <a:pPr lvl="3"/>
             <a:r>
-              <a:rPr lang="zh-CN" altLang="en-US" smtClean="0"/>
+              <a:rPr lang="zh-CN" altLang="en-US"/>
               <a:t>第四级</a:t>
             </a:r>
           </a:p>
           <a:p>
             <a:pPr lvl="4"/>
             <a:r>
-              <a:rPr lang="zh-CN" altLang="en-US" smtClean="0"/>
+              <a:rPr lang="zh-CN" altLang="en-US"/>
               <a:t>第五级</a:t>
             </a:r>
             <a:endParaRPr lang="en-US" dirty="0"/>
@@ -1749,7 +1749,7 @@
           <a:p>
             <a:pPr lvl="0"/>
             <a:r>
-              <a:rPr lang="zh-CN" altLang="en-US" smtClean="0"/>
+              <a:rPr lang="zh-CN" altLang="en-US"/>
               <a:t>编辑母版文本样式</a:t>
             </a:r>
           </a:p>
@@ -1777,35 +1777,35 @@
           <a:p>
             <a:pPr lvl="0"/>
             <a:r>
-              <a:rPr lang="zh-CN" altLang="en-US" smtClean="0"/>
+              <a:rPr lang="zh-CN" altLang="en-US"/>
               <a:t>编辑母版文本样式</a:t>
             </a:r>
           </a:p>
           <a:p>
             <a:pPr lvl="1"/>
             <a:r>
-              <a:rPr lang="zh-CN" altLang="en-US" smtClean="0"/>
+              <a:rPr lang="zh-CN" altLang="en-US"/>
               <a:t>第二级</a:t>
             </a:r>
           </a:p>
           <a:p>
             <a:pPr lvl="2"/>
             <a:r>
-              <a:rPr lang="zh-CN" altLang="en-US" smtClean="0"/>
+              <a:rPr lang="zh-CN" altLang="en-US"/>
               <a:t>第三级</a:t>
             </a:r>
           </a:p>
           <a:p>
             <a:pPr lvl="3"/>
             <a:r>
-              <a:rPr lang="zh-CN" altLang="en-US" smtClean="0"/>
+              <a:rPr lang="zh-CN" altLang="en-US"/>
               <a:t>第四级</a:t>
             </a:r>
           </a:p>
           <a:p>
             <a:pPr lvl="4"/>
             <a:r>
-              <a:rPr lang="zh-CN" altLang="en-US" smtClean="0"/>
+              <a:rPr lang="zh-CN" altLang="en-US"/>
               <a:t>第五级</a:t>
             </a:r>
             <a:endParaRPr lang="en-US" dirty="0"/>
@@ -1829,7 +1829,7 @@
           <a:p>
             <a:fld id="{48A87A34-81AB-432B-8DAE-1953F412C126}" type="datetimeFigureOut">
               <a:rPr lang="en-US" dirty="0"/>
-              <a:t>2/21/2016</a:t>
+              <a:t>4/3/2016</a:t>
             </a:fld>
             <a:endParaRPr lang="en-US" dirty="0"/>
           </a:p>
@@ -1949,7 +1949,7 @@
           <a:lstStyle/>
           <a:p>
             <a:r>
-              <a:rPr lang="zh-CN" altLang="en-US" smtClean="0"/>
+              <a:rPr lang="zh-CN" altLang="en-US"/>
               <a:t>单击此处编辑母版标题样式</a:t>
             </a:r>
             <a:endParaRPr lang="en-US" dirty="0"/>
@@ -1973,7 +1973,7 @@
           <a:p>
             <a:fld id="{48A87A34-81AB-432B-8DAE-1953F412C126}" type="datetimeFigureOut">
               <a:rPr lang="en-US" dirty="0"/>
-              <a:t>2/21/2016</a:t>
+              <a:t>4/3/2016</a:t>
             </a:fld>
             <a:endParaRPr lang="en-US" dirty="0"/>
           </a:p>
@@ -2094,7 +2094,7 @@
           <a:p>
             <a:fld id="{48A87A34-81AB-432B-8DAE-1953F412C126}" type="datetimeFigureOut">
               <a:rPr lang="en-US" dirty="0"/>
-              <a:t>2/21/2016</a:t>
+              <a:t>4/3/2016</a:t>
             </a:fld>
             <a:endParaRPr lang="en-US" dirty="0"/>
           </a:p>
@@ -2194,7 +2194,7 @@
           </a:lstStyle>
           <a:p>
             <a:r>
-              <a:rPr lang="zh-CN" altLang="en-US" smtClean="0"/>
+              <a:rPr lang="zh-CN" altLang="en-US"/>
               <a:t>单击此处编辑母版标题样式</a:t>
             </a:r>
             <a:endParaRPr lang="en-US" dirty="0"/>
@@ -2223,35 +2223,35 @@
           <a:p>
             <a:pPr lvl="0"/>
             <a:r>
-              <a:rPr lang="zh-CN" altLang="en-US" smtClean="0"/>
+              <a:rPr lang="zh-CN" altLang="en-US"/>
               <a:t>编辑母版文本样式</a:t>
             </a:r>
           </a:p>
           <a:p>
             <a:pPr lvl="1"/>
             <a:r>
-              <a:rPr lang="zh-CN" altLang="en-US" smtClean="0"/>
+              <a:rPr lang="zh-CN" altLang="en-US"/>
               <a:t>第二级</a:t>
             </a:r>
           </a:p>
           <a:p>
             <a:pPr lvl="2"/>
             <a:r>
-              <a:rPr lang="zh-CN" altLang="en-US" smtClean="0"/>
+              <a:rPr lang="zh-CN" altLang="en-US"/>
               <a:t>第三级</a:t>
             </a:r>
           </a:p>
           <a:p>
             <a:pPr lvl="3"/>
             <a:r>
-              <a:rPr lang="zh-CN" altLang="en-US" smtClean="0"/>
+              <a:rPr lang="zh-CN" altLang="en-US"/>
               <a:t>第四级</a:t>
             </a:r>
           </a:p>
           <a:p>
             <a:pPr lvl="4"/>
             <a:r>
-              <a:rPr lang="zh-CN" altLang="en-US" smtClean="0"/>
+              <a:rPr lang="zh-CN" altLang="en-US"/>
               <a:t>第五级</a:t>
             </a:r>
             <a:endParaRPr lang="en-US" dirty="0"/>
@@ -2317,7 +2317,7 @@
           <a:p>
             <a:pPr lvl="0"/>
             <a:r>
-              <a:rPr lang="zh-CN" altLang="en-US" smtClean="0"/>
+              <a:rPr lang="zh-CN" altLang="en-US"/>
               <a:t>编辑母版文本样式</a:t>
             </a:r>
           </a:p>
@@ -2340,7 +2340,7 @@
           <a:p>
             <a:fld id="{48A87A34-81AB-432B-8DAE-1953F412C126}" type="datetimeFigureOut">
               <a:rPr lang="en-US" dirty="0"/>
-              <a:t>2/21/2016</a:t>
+              <a:t>4/3/2016</a:t>
             </a:fld>
             <a:endParaRPr lang="en-US" dirty="0"/>
           </a:p>
@@ -2605,7 +2605,7 @@
           </a:lstStyle>
           <a:p>
             <a:r>
-              <a:rPr lang="zh-CN" altLang="en-US" smtClean="0"/>
+              <a:rPr lang="zh-CN" altLang="en-US"/>
               <a:t>单击此处编辑母版标题样式</a:t>
             </a:r>
             <a:endParaRPr lang="en-US" dirty="0"/>
@@ -2680,7 +2680,7 @@
           </a:lstStyle>
           <a:p>
             <a:r>
-              <a:rPr lang="zh-CN" altLang="en-US" smtClean="0"/>
+              <a:rPr lang="zh-CN" altLang="en-US"/>
               <a:t>单击图标添加图片</a:t>
             </a:r>
             <a:endParaRPr lang="en-US" dirty="0"/>
@@ -2748,7 +2748,7 @@
           <a:p>
             <a:pPr lvl="0"/>
             <a:r>
-              <a:rPr lang="zh-CN" altLang="en-US" smtClean="0"/>
+              <a:rPr lang="zh-CN" altLang="en-US"/>
               <a:t>编辑母版文本样式</a:t>
             </a:r>
           </a:p>
@@ -2781,7 +2781,7 @@
             <a:fld id="{48A87A34-81AB-432B-8DAE-1953F412C126}" type="datetimeFigureOut">
               <a:rPr lang="en-US" dirty="0"/>
               <a:pPr/>
-              <a:t>2/21/2016</a:t>
+              <a:t>4/3/2016</a:t>
             </a:fld>
             <a:endParaRPr lang="en-US" dirty="0"/>
           </a:p>
@@ -2999,7 +2999,7 @@
           <a:lstStyle/>
           <a:p>
             <a:r>
-              <a:rPr lang="zh-CN" altLang="en-US" smtClean="0"/>
+              <a:rPr lang="zh-CN" altLang="en-US"/>
               <a:t>单击此处编辑母版标题样式</a:t>
             </a:r>
             <a:endParaRPr lang="en-US" dirty="0"/>
@@ -3103,7 +3103,7 @@
             <a:fld id="{48A87A34-81AB-432B-8DAE-1953F412C126}" type="datetimeFigureOut">
               <a:rPr lang="en-US" dirty="0"/>
               <a:pPr/>
-              <a:t>2/21/2016</a:t>
+              <a:t>4/3/2016</a:t>
             </a:fld>
             <a:endParaRPr lang="en-US" dirty="0"/>
           </a:p>
@@ -3601,10 +3601,9 @@
           <a:lstStyle/>
           <a:p>
             <a:r>
-              <a:rPr lang="zh-CN" altLang="en-US" dirty="0" smtClean="0"/>
+              <a:rPr lang="zh-CN" altLang="en-US" dirty="0"/>
               <a:t>遥控器部分</a:t>
             </a:r>
-            <a:endParaRPr lang="zh-CN" altLang="en-US" dirty="0"/>
           </a:p>
         </p:txBody>
       </p:sp>
@@ -3673,10 +3672,9 @@
           <a:lstStyle/>
           <a:p>
             <a:r>
-              <a:rPr lang="zh-CN" altLang="en-US" dirty="0" smtClean="0"/>
+              <a:rPr lang="zh-CN" altLang="en-US" dirty="0"/>
               <a:t>蓝牙配置要求</a:t>
             </a:r>
-            <a:endParaRPr lang="zh-CN" altLang="en-US" dirty="0"/>
           </a:p>
         </p:txBody>
       </p:sp>
@@ -3700,28 +3698,21 @@
               <a:buAutoNum type="arabicPeriod"/>
             </a:pPr>
             <a:r>
-              <a:rPr lang="zh-CN" altLang="en-US" dirty="0" smtClean="0"/>
-              <a:t>波特率一致，默认为</a:t>
-            </a:r>
-            <a:r>
-              <a:rPr lang="zh-CN" altLang="en-US" dirty="0" smtClean="0"/>
-              <a:t>９６００，</a:t>
-            </a:r>
-            <a:r>
-              <a:rPr lang="zh-CN" altLang="en-US" dirty="0" smtClean="0">
+              <a:rPr lang="zh-CN" altLang="en-US" dirty="0"/>
+              <a:t>波特率一致，默认为９６００，</a:t>
+            </a:r>
+            <a:r>
+              <a:rPr lang="zh-CN" altLang="en-US" dirty="0">
                 <a:latin typeface="+mn-ea"/>
               </a:rPr>
               <a:t>我的程序中是</a:t>
             </a:r>
             <a:r>
-              <a:rPr lang="en-US" altLang="zh-CN" dirty="0" smtClean="0">
+              <a:rPr lang="en-US" altLang="zh-CN" dirty="0">
                 <a:latin typeface="+mn-ea"/>
               </a:rPr>
               <a:t>38400.</a:t>
             </a:r>
-            <a:endParaRPr lang="en-US" altLang="zh-CN" dirty="0" smtClean="0">
-              <a:latin typeface="+mn-ea"/>
-            </a:endParaRPr>
           </a:p>
           <a:p>
             <a:pPr marL="457200" indent="-457200">
@@ -3729,10 +3720,10 @@
               <a:buAutoNum type="arabicPeriod"/>
             </a:pPr>
             <a:r>
-              <a:rPr lang="zh-CN" altLang="en-US" dirty="0" smtClean="0"/>
+              <a:rPr lang="zh-CN" altLang="en-US" dirty="0"/>
               <a:t>Ｐｉｎ一致，即密码一致，上电之后可以自动连接</a:t>
             </a:r>
-            <a:endParaRPr lang="en-US" altLang="zh-CN" dirty="0" smtClean="0"/>
+            <a:endParaRPr lang="en-US" altLang="zh-CN" dirty="0"/>
           </a:p>
           <a:p>
             <a:pPr marL="457200" indent="-457200">
@@ -3740,10 +3731,10 @@
               <a:buAutoNum type="arabicPeriod"/>
             </a:pPr>
             <a:r>
-              <a:rPr lang="zh-CN" altLang="en-US" dirty="0" smtClean="0"/>
+              <a:rPr lang="zh-CN" altLang="en-US" dirty="0"/>
               <a:t>Ｐｉｎ主机从机一致，不可所有的都一样，所有的都一样会造成信号串扰，即所有都共同连接。</a:t>
             </a:r>
-            <a:endParaRPr lang="en-US" altLang="zh-CN" dirty="0" smtClean="0"/>
+            <a:endParaRPr lang="en-US" altLang="zh-CN" dirty="0"/>
           </a:p>
           <a:p>
             <a:pPr marL="457200" indent="-457200">
@@ -3751,10 +3742,9 @@
               <a:buAutoNum type="arabicPeriod"/>
             </a:pPr>
             <a:r>
-              <a:rPr lang="zh-CN" altLang="en-US" dirty="0" smtClean="0"/>
+              <a:rPr lang="zh-CN" altLang="en-US" dirty="0"/>
               <a:t>两个蓝牙链接后灯会常亮。</a:t>
             </a:r>
-            <a:endParaRPr lang="zh-CN" altLang="en-US" dirty="0"/>
           </a:p>
         </p:txBody>
       </p:sp>
@@ -3804,21 +3794,16 @@
           <a:lstStyle/>
           <a:p>
             <a:r>
-              <a:rPr lang="zh-CN" altLang="en-US" dirty="0" smtClean="0"/>
+              <a:rPr lang="zh-CN" altLang="en-US" dirty="0"/>
               <a:t>补充</a:t>
             </a:r>
-            <a:r>
-              <a:rPr lang="en-US" altLang="zh-CN" dirty="0" smtClean="0"/>
-              <a:t/>
-            </a:r>
             <a:br>
-              <a:rPr lang="en-US" altLang="zh-CN" dirty="0" smtClean="0"/>
+              <a:rPr lang="en-US" altLang="zh-CN" dirty="0"/>
             </a:br>
             <a:r>
-              <a:rPr lang="zh-CN" altLang="en-US" dirty="0" smtClean="0"/>
+              <a:rPr lang="zh-CN" altLang="en-US" dirty="0"/>
               <a:t>手机和蓝牙相连</a:t>
             </a:r>
-            <a:endParaRPr lang="zh-CN" altLang="en-US" dirty="0"/>
           </a:p>
         </p:txBody>
       </p:sp>
@@ -3838,31 +3823,30 @@
           <a:lstStyle/>
           <a:p>
             <a:r>
-              <a:rPr lang="zh-CN" altLang="en-US" dirty="0" smtClean="0"/>
+              <a:rPr lang="zh-CN" altLang="en-US" dirty="0"/>
               <a:t>手机相当于一个主机</a:t>
             </a:r>
-            <a:endParaRPr lang="en-US" altLang="zh-CN" dirty="0" smtClean="0"/>
-          </a:p>
-          <a:p>
-            <a:r>
-              <a:rPr lang="zh-CN" altLang="en-US" dirty="0" smtClean="0"/>
+            <a:endParaRPr lang="en-US" altLang="zh-CN" dirty="0"/>
+          </a:p>
+          <a:p>
+            <a:r>
+              <a:rPr lang="zh-CN" altLang="en-US" dirty="0"/>
               <a:t>搜索从机</a:t>
             </a:r>
-            <a:endParaRPr lang="en-US" altLang="zh-CN" dirty="0" smtClean="0"/>
-          </a:p>
-          <a:p>
-            <a:r>
-              <a:rPr lang="zh-CN" altLang="en-US" dirty="0" smtClean="0"/>
+            <a:endParaRPr lang="en-US" altLang="zh-CN" dirty="0"/>
+          </a:p>
+          <a:p>
+            <a:r>
+              <a:rPr lang="zh-CN" altLang="en-US" dirty="0"/>
               <a:t>输入ｐｉｎ</a:t>
             </a:r>
-            <a:endParaRPr lang="en-US" altLang="zh-CN" dirty="0" smtClean="0"/>
-          </a:p>
-          <a:p>
-            <a:r>
-              <a:rPr lang="zh-CN" altLang="en-US" dirty="0" smtClean="0"/>
+            <a:endParaRPr lang="en-US" altLang="zh-CN" dirty="0"/>
+          </a:p>
+          <a:p>
+            <a:r>
+              <a:rPr lang="zh-CN" altLang="en-US" dirty="0"/>
               <a:t>蓝牙灯常亮，链接成功</a:t>
             </a:r>
-            <a:endParaRPr lang="zh-CN" altLang="en-US" dirty="0"/>
           </a:p>
         </p:txBody>
       </p:sp>
@@ -3912,10 +3896,9 @@
           <a:lstStyle/>
           <a:p>
             <a:r>
-              <a:rPr lang="zh-CN" altLang="en-US" dirty="0" smtClean="0"/>
+              <a:rPr lang="zh-CN" altLang="en-US" dirty="0"/>
               <a:t>测试实验</a:t>
             </a:r>
-            <a:endParaRPr lang="zh-CN" altLang="en-US" dirty="0"/>
           </a:p>
         </p:txBody>
       </p:sp>
@@ -3956,18 +3939,17 @@
           <a:p>
             <a:pPr algn="ctr"/>
             <a:r>
-              <a:rPr lang="zh-CN" altLang="en-US" dirty="0" smtClean="0"/>
+              <a:rPr lang="zh-CN" altLang="en-US" dirty="0"/>
               <a:t>ＵＳＢ－ＴＴＬ</a:t>
             </a:r>
-            <a:endParaRPr lang="en-US" altLang="zh-CN" dirty="0" smtClean="0"/>
+            <a:endParaRPr lang="en-US" altLang="zh-CN" dirty="0"/>
           </a:p>
           <a:p>
             <a:pPr algn="ctr"/>
             <a:r>
-              <a:rPr lang="zh-CN" altLang="en-US" dirty="0" smtClean="0"/>
+              <a:rPr lang="zh-CN" altLang="en-US" dirty="0"/>
               <a:t>（ＣＯＭ４）</a:t>
             </a:r>
-            <a:endParaRPr lang="zh-CN" altLang="en-US" dirty="0"/>
           </a:p>
         </p:txBody>
       </p:sp>
@@ -4008,18 +3990,17 @@
           <a:p>
             <a:pPr algn="ctr"/>
             <a:r>
-              <a:rPr lang="zh-CN" altLang="en-US" dirty="0" smtClean="0"/>
+              <a:rPr lang="zh-CN" altLang="en-US" dirty="0"/>
               <a:t>ＨＣ－０５</a:t>
             </a:r>
-            <a:endParaRPr lang="en-US" altLang="zh-CN" dirty="0" smtClean="0"/>
+            <a:endParaRPr lang="en-US" altLang="zh-CN" dirty="0"/>
           </a:p>
           <a:p>
             <a:pPr algn="ctr"/>
             <a:r>
-              <a:rPr lang="zh-CN" altLang="en-US" dirty="0" smtClean="0"/>
+              <a:rPr lang="zh-CN" altLang="en-US" dirty="0"/>
               <a:t>（主机）</a:t>
             </a:r>
-            <a:endParaRPr lang="zh-CN" altLang="en-US" dirty="0"/>
           </a:p>
         </p:txBody>
       </p:sp>
@@ -4068,10 +4049,9 @@
           <a:p>
             <a:pPr algn="ctr"/>
             <a:r>
-              <a:rPr lang="zh-CN" altLang="en-US" dirty="0" smtClean="0"/>
+              <a:rPr lang="zh-CN" altLang="en-US" dirty="0"/>
               <a:t>（从机）</a:t>
             </a:r>
-            <a:endParaRPr lang="zh-CN" altLang="en-US" dirty="0"/>
           </a:p>
         </p:txBody>
       </p:sp>
@@ -4121,13 +4101,8 @@
             <a:pPr algn="ctr"/>
             <a:r>
               <a:rPr lang="zh-CN" altLang="en-US" dirty="0"/>
-              <a:t>（</a:t>
-            </a:r>
-            <a:r>
-              <a:rPr lang="zh-CN" altLang="en-US" dirty="0" smtClean="0"/>
-              <a:t>ＣＯＭ５）</a:t>
-            </a:r>
-            <a:endParaRPr lang="zh-CN" altLang="en-US" dirty="0"/>
+              <a:t>（ＣＯＭ５）</a:t>
+            </a:r>
           </a:p>
         </p:txBody>
       </p:sp>
@@ -4154,18 +4129,13 @@
           <a:lstStyle/>
           <a:p>
             <a:r>
-              <a:rPr lang="zh-CN" altLang="en-US" dirty="0" smtClean="0">
+              <a:rPr lang="zh-CN" altLang="en-US" dirty="0">
                 <a:solidFill>
                   <a:schemeClr val="bg1"/>
                 </a:solidFill>
               </a:rPr>
               <a:t>ＲＸ</a:t>
             </a:r>
-            <a:endParaRPr lang="zh-CN" altLang="en-US" dirty="0">
-              <a:solidFill>
-                <a:schemeClr val="bg1"/>
-              </a:solidFill>
-            </a:endParaRPr>
           </a:p>
         </p:txBody>
       </p:sp>
@@ -4192,18 +4162,13 @@
           <a:lstStyle/>
           <a:p>
             <a:r>
-              <a:rPr lang="zh-CN" altLang="en-US" dirty="0" smtClean="0">
+              <a:rPr lang="zh-CN" altLang="en-US" dirty="0">
                 <a:solidFill>
                   <a:schemeClr val="bg1"/>
                 </a:solidFill>
               </a:rPr>
               <a:t>ＲＸ</a:t>
             </a:r>
-            <a:endParaRPr lang="zh-CN" altLang="en-US" dirty="0">
-              <a:solidFill>
-                <a:schemeClr val="bg1"/>
-              </a:solidFill>
-            </a:endParaRPr>
           </a:p>
         </p:txBody>
       </p:sp>
@@ -4230,18 +4195,13 @@
           <a:lstStyle/>
           <a:p>
             <a:r>
-              <a:rPr lang="zh-CN" altLang="en-US" dirty="0" smtClean="0">
+              <a:rPr lang="zh-CN" altLang="en-US" dirty="0">
                 <a:solidFill>
                   <a:schemeClr val="bg1"/>
                 </a:solidFill>
               </a:rPr>
               <a:t>ＴＸ</a:t>
             </a:r>
-            <a:endParaRPr lang="zh-CN" altLang="en-US" dirty="0">
-              <a:solidFill>
-                <a:schemeClr val="bg1"/>
-              </a:solidFill>
-            </a:endParaRPr>
           </a:p>
         </p:txBody>
       </p:sp>
@@ -4268,18 +4228,13 @@
           <a:lstStyle/>
           <a:p>
             <a:r>
-              <a:rPr lang="zh-CN" altLang="en-US" dirty="0" smtClean="0">
+              <a:rPr lang="zh-CN" altLang="en-US" dirty="0">
                 <a:solidFill>
                   <a:schemeClr val="bg1"/>
                 </a:solidFill>
               </a:rPr>
               <a:t>ＴＸ</a:t>
             </a:r>
-            <a:endParaRPr lang="zh-CN" altLang="en-US" dirty="0">
-              <a:solidFill>
-                <a:schemeClr val="bg1"/>
-              </a:solidFill>
-            </a:endParaRPr>
           </a:p>
         </p:txBody>
       </p:sp>
@@ -4306,18 +4261,13 @@
           <a:lstStyle/>
           <a:p>
             <a:r>
-              <a:rPr lang="zh-CN" altLang="en-US" dirty="0" smtClean="0">
+              <a:rPr lang="zh-CN" altLang="en-US" dirty="0">
                 <a:solidFill>
                   <a:schemeClr val="bg1"/>
                 </a:solidFill>
               </a:rPr>
               <a:t>ＲＸ</a:t>
             </a:r>
-            <a:endParaRPr lang="zh-CN" altLang="en-US" dirty="0">
-              <a:solidFill>
-                <a:schemeClr val="bg1"/>
-              </a:solidFill>
-            </a:endParaRPr>
           </a:p>
         </p:txBody>
       </p:sp>
@@ -4344,18 +4294,13 @@
           <a:lstStyle/>
           <a:p>
             <a:r>
-              <a:rPr lang="zh-CN" altLang="en-US" dirty="0" smtClean="0">
+              <a:rPr lang="zh-CN" altLang="en-US" dirty="0">
                 <a:solidFill>
                   <a:schemeClr val="bg1"/>
                 </a:solidFill>
               </a:rPr>
               <a:t>ＲＸ</a:t>
             </a:r>
-            <a:endParaRPr lang="zh-CN" altLang="en-US" dirty="0">
-              <a:solidFill>
-                <a:schemeClr val="bg1"/>
-              </a:solidFill>
-            </a:endParaRPr>
           </a:p>
         </p:txBody>
       </p:sp>
@@ -4382,18 +4327,13 @@
           <a:lstStyle/>
           <a:p>
             <a:r>
-              <a:rPr lang="zh-CN" altLang="en-US" dirty="0" smtClean="0">
+              <a:rPr lang="zh-CN" altLang="en-US" dirty="0">
                 <a:solidFill>
                   <a:schemeClr val="bg1"/>
                 </a:solidFill>
               </a:rPr>
               <a:t>ＴＸ</a:t>
             </a:r>
-            <a:endParaRPr lang="zh-CN" altLang="en-US" dirty="0">
-              <a:solidFill>
-                <a:schemeClr val="bg1"/>
-              </a:solidFill>
-            </a:endParaRPr>
           </a:p>
         </p:txBody>
       </p:sp>
@@ -4420,18 +4360,13 @@
           <a:lstStyle/>
           <a:p>
             <a:r>
-              <a:rPr lang="zh-CN" altLang="en-US" dirty="0" smtClean="0">
+              <a:rPr lang="zh-CN" altLang="en-US" dirty="0">
                 <a:solidFill>
                   <a:schemeClr val="bg1"/>
                 </a:solidFill>
               </a:rPr>
               <a:t>ＴＸ</a:t>
             </a:r>
-            <a:endParaRPr lang="zh-CN" altLang="en-US" dirty="0">
-              <a:solidFill>
-                <a:schemeClr val="bg1"/>
-              </a:solidFill>
-            </a:endParaRPr>
           </a:p>
         </p:txBody>
       </p:sp>
@@ -4769,11 +4704,11 @@
           <a:lstStyle/>
           <a:p>
             <a:r>
-              <a:rPr lang="zh-CN" altLang="en-US" dirty="0" smtClean="0"/>
+              <a:rPr lang="zh-CN" altLang="en-US" dirty="0"/>
               <a:t>蓝牙与</a:t>
             </a:r>
             <a:r>
-              <a:rPr lang="en-US" altLang="zh-CN" dirty="0" err="1" smtClean="0"/>
+              <a:rPr lang="en-US" altLang="zh-CN" dirty="0" err="1"/>
               <a:t>arduino</a:t>
             </a:r>
             <a:endParaRPr lang="zh-CN" altLang="en-US" dirty="0"/>
@@ -4916,10 +4851,9 @@
           <a:lstStyle/>
           <a:p>
             <a:r>
-              <a:rPr lang="zh-CN" altLang="en-US" dirty="0" smtClean="0"/>
+              <a:rPr lang="zh-CN" altLang="en-US" dirty="0"/>
               <a:t>示例</a:t>
             </a:r>
-            <a:endParaRPr lang="zh-CN" altLang="en-US" dirty="0"/>
           </a:p>
         </p:txBody>
       </p:sp>
@@ -4992,29 +4926,17 @@
             </a:r>
             <a:r>
               <a:rPr lang="en-US" altLang="zh-CN" dirty="0"/>
-              <a:t>() == 'X') </a:t>
-            </a:r>
-            <a:r>
-              <a:rPr lang="en-US" altLang="zh-CN" dirty="0" smtClean="0"/>
-              <a:t>{      </a:t>
-            </a:r>
+              <a:t>() == 'X') {      // </a:t>
+            </a:r>
+            <a:r>
+              <a:rPr lang="zh-CN" altLang="en-US" dirty="0"/>
+              <a:t>收到结束符后开始处理数据。</a:t>
+            </a:r>
+            <a:endParaRPr lang="en-US" altLang="zh-CN" dirty="0"/>
+          </a:p>
+          <a:p>
             <a:r>
               <a:rPr lang="en-US" altLang="zh-CN" dirty="0"/>
-              <a:t>// </a:t>
-            </a:r>
-            <a:r>
-              <a:rPr lang="zh-CN" altLang="en-US" dirty="0"/>
-              <a:t>收到结束符后开始处理数据</a:t>
-            </a:r>
-            <a:r>
-              <a:rPr lang="zh-CN" altLang="en-US" dirty="0" smtClean="0"/>
-              <a:t>。</a:t>
-            </a:r>
-            <a:endParaRPr lang="en-US" altLang="zh-CN" dirty="0"/>
-          </a:p>
-          <a:p>
-            <a:r>
-              <a:rPr lang="en-US" altLang="zh-CN" dirty="0" smtClean="0"/>
               <a:t>    }</a:t>
             </a:r>
           </a:p>
@@ -5023,13 +4945,12 @@
               <a:rPr lang="en-US" altLang="zh-CN" dirty="0"/>
               <a:t>}</a:t>
             </a:r>
-            <a:endParaRPr lang="en-US" altLang="zh-CN" dirty="0" smtClean="0"/>
           </a:p>
           <a:p>
             <a:pPr marL="457200" lvl="1" indent="0">
               <a:buNone/>
             </a:pPr>
-            <a:endParaRPr lang="en-US" altLang="zh-CN" dirty="0" smtClean="0"/>
+            <a:endParaRPr lang="en-US" altLang="zh-CN" dirty="0"/>
           </a:p>
         </p:txBody>
       </p:sp>
@@ -5079,17 +5000,16 @@
           <a:lstStyle/>
           <a:p>
             <a:r>
-              <a:rPr lang="en-US" altLang="zh-CN" dirty="0" smtClean="0"/>
+              <a:rPr lang="en-US" altLang="zh-CN" dirty="0"/>
               <a:t>MPU6050</a:t>
             </a:r>
             <a:br>
-              <a:rPr lang="en-US" altLang="zh-CN" dirty="0" smtClean="0"/>
+              <a:rPr lang="en-US" altLang="zh-CN" dirty="0"/>
             </a:br>
             <a:r>
-              <a:rPr lang="zh-CN" altLang="en-US" dirty="0" smtClean="0"/>
+              <a:rPr lang="zh-CN" altLang="en-US" dirty="0"/>
               <a:t>（陀螺仪加速度计）</a:t>
             </a:r>
-            <a:endParaRPr lang="zh-CN" altLang="en-US" dirty="0"/>
           </a:p>
         </p:txBody>
       </p:sp>
@@ -5109,17 +5029,16 @@
           <a:lstStyle/>
           <a:p>
             <a:r>
-              <a:rPr lang="zh-CN" altLang="en-US" dirty="0" smtClean="0"/>
+              <a:rPr lang="zh-CN" altLang="en-US" dirty="0"/>
               <a:t>电路连接</a:t>
             </a:r>
-            <a:endParaRPr lang="en-US" altLang="zh-CN" dirty="0" smtClean="0"/>
-          </a:p>
-          <a:p>
-            <a:r>
-              <a:rPr lang="zh-CN" altLang="en-US" dirty="0" smtClean="0"/>
+            <a:endParaRPr lang="en-US" altLang="zh-CN" dirty="0"/>
+          </a:p>
+          <a:p>
+            <a:r>
+              <a:rPr lang="zh-CN" altLang="en-US" dirty="0"/>
               <a:t>程序</a:t>
             </a:r>
-            <a:endParaRPr lang="zh-CN" altLang="en-US" dirty="0"/>
           </a:p>
         </p:txBody>
       </p:sp>
@@ -5169,21 +5088,61 @@
           <a:lstStyle/>
           <a:p>
             <a:r>
-              <a:rPr lang="zh-CN" altLang="en-US" dirty="0" smtClean="0"/>
+              <a:rPr lang="zh-CN" altLang="en-US" dirty="0"/>
               <a:t>电路连接</a:t>
             </a:r>
+          </a:p>
+        </p:txBody>
+      </p:sp>
+      <p:sp>
+        <p:nvSpPr>
+          <p:cNvPr id="3" name="内容占位符 2"/>
+          <p:cNvSpPr>
+            <a:spLocks noGrp="1"/>
+          </p:cNvSpPr>
+          <p:nvPr>
+            <p:ph sz="half" idx="1"/>
+          </p:nvPr>
+        </p:nvSpPr>
+        <p:spPr/>
+        <p:txBody>
+          <a:bodyPr/>
+          <a:lstStyle/>
+          <a:p>
+            <a:r>
+              <a:rPr lang="en-US" altLang="zh-CN" dirty="0"/>
+              <a:t>VCC--------5v</a:t>
+            </a:r>
+          </a:p>
+          <a:p>
+            <a:r>
+              <a:rPr lang="en-US" altLang="zh-CN" dirty="0"/>
+              <a:t>GND--------GND</a:t>
+            </a:r>
+          </a:p>
+          <a:p>
+            <a:r>
+              <a:rPr lang="en-US" altLang="zh-CN" dirty="0"/>
+              <a:t>SCL----------SCL</a:t>
+            </a:r>
+          </a:p>
+          <a:p>
+            <a:r>
+              <a:rPr lang="en-US" altLang="zh-CN" dirty="0"/>
+              <a:t>SDA---------SDA</a:t>
+            </a:r>
             <a:endParaRPr lang="zh-CN" altLang="en-US" dirty="0"/>
           </a:p>
         </p:txBody>
       </p:sp>
       <p:sp>
         <p:nvSpPr>
-          <p:cNvPr id="3" name="内容占位符 2"/>
-          <p:cNvSpPr>
-            <a:spLocks noGrp="1"/>
-          </p:cNvSpPr>
-          <p:nvPr>
-            <p:ph idx="1"/>
+          <p:cNvPr id="4" name="内容占位符 3"/>
+          <p:cNvSpPr>
+            <a:spLocks noGrp="1"/>
+          </p:cNvSpPr>
+          <p:nvPr>
+            <p:ph sz="half" idx="2"/>
           </p:nvPr>
         </p:nvSpPr>
         <p:spPr/>
@@ -5192,26 +5151,8 @@
           <a:lstStyle/>
           <a:p>
             <a:r>
-              <a:rPr lang="en-US" altLang="zh-CN" dirty="0" smtClean="0"/>
-              <a:t>VCC--------5v</a:t>
-            </a:r>
-          </a:p>
-          <a:p>
-            <a:r>
-              <a:rPr lang="en-US" altLang="zh-CN" dirty="0" smtClean="0"/>
-              <a:t>GND--------GND</a:t>
-            </a:r>
-          </a:p>
-          <a:p>
-            <a:r>
-              <a:rPr lang="en-US" altLang="zh-CN" dirty="0" smtClean="0"/>
-              <a:t>SCL----------SCL</a:t>
-            </a:r>
-          </a:p>
-          <a:p>
-            <a:r>
-              <a:rPr lang="en-US" altLang="zh-CN" dirty="0" smtClean="0"/>
-              <a:t>SDA---------SDA</a:t>
+              <a:rPr lang="en-US" altLang="zh-CN" dirty="0"/>
+              <a:t>A4 (SDA), A5 (SCL)</a:t>
             </a:r>
             <a:endParaRPr lang="zh-CN" altLang="en-US" dirty="0"/>
           </a:p>
@@ -5263,10 +5204,9 @@
           <a:lstStyle/>
           <a:p>
             <a:r>
-              <a:rPr lang="zh-CN" altLang="en-US" dirty="0" smtClean="0"/>
+              <a:rPr lang="zh-CN" altLang="en-US" dirty="0"/>
               <a:t>程序</a:t>
             </a:r>
-            <a:endParaRPr lang="zh-CN" altLang="en-US" dirty="0"/>
           </a:p>
         </p:txBody>
       </p:sp>
@@ -5289,7 +5229,7 @@
               <a:buNone/>
             </a:pPr>
             <a:r>
-              <a:rPr lang="en-US" altLang="zh-CN" dirty="0" smtClean="0"/>
+              <a:rPr lang="en-US" altLang="zh-CN" dirty="0"/>
               <a:t>Example:</a:t>
             </a:r>
           </a:p>
@@ -5298,7 +5238,7 @@
               <a:buNone/>
             </a:pPr>
             <a:r>
-              <a:rPr lang="en-US" altLang="zh-CN" dirty="0" smtClean="0"/>
+              <a:rPr lang="en-US" altLang="zh-CN" dirty="0"/>
               <a:t>1.raw:</a:t>
             </a:r>
           </a:p>
@@ -5311,25 +5251,25 @@
               <a:t>	</a:t>
             </a:r>
             <a:r>
-              <a:rPr lang="zh-CN" altLang="en-US" dirty="0" smtClean="0"/>
+              <a:rPr lang="zh-CN" altLang="en-US" dirty="0"/>
               <a:t>输出</a:t>
             </a:r>
             <a:r>
-              <a:rPr lang="en-US" altLang="zh-CN" dirty="0" smtClean="0"/>
+              <a:rPr lang="en-US" altLang="zh-CN" dirty="0"/>
               <a:t>mpu6050</a:t>
             </a:r>
             <a:r>
-              <a:rPr lang="zh-CN" altLang="en-US" dirty="0" smtClean="0"/>
+              <a:rPr lang="zh-CN" altLang="en-US" dirty="0"/>
               <a:t>原始数据</a:t>
             </a:r>
-            <a:endParaRPr lang="en-US" altLang="zh-CN" dirty="0" smtClean="0"/>
+            <a:endParaRPr lang="en-US" altLang="zh-CN" dirty="0"/>
           </a:p>
           <a:p>
             <a:pPr marL="0" indent="0">
               <a:buNone/>
             </a:pPr>
             <a:r>
-              <a:rPr lang="en-US" altLang="zh-CN" dirty="0" smtClean="0"/>
+              <a:rPr lang="en-US" altLang="zh-CN" dirty="0"/>
               <a:t>2.dmp:</a:t>
             </a:r>
           </a:p>
@@ -5342,10 +5282,9 @@
               <a:t>	</a:t>
             </a:r>
             <a:r>
-              <a:rPr lang="zh-CN" altLang="en-US" dirty="0" smtClean="0"/>
+              <a:rPr lang="zh-CN" altLang="en-US" dirty="0"/>
               <a:t>经过数字信号处理的数据</a:t>
             </a:r>
-            <a:endParaRPr lang="zh-CN" altLang="en-US" dirty="0"/>
           </a:p>
         </p:txBody>
       </p:sp>
@@ -5395,10 +5334,9 @@
           <a:lstStyle/>
           <a:p>
             <a:r>
-              <a:rPr lang="zh-CN" altLang="en-US" dirty="0" smtClean="0"/>
+              <a:rPr lang="zh-CN" altLang="en-US" dirty="0"/>
               <a:t>使用数据</a:t>
             </a:r>
-            <a:endParaRPr lang="zh-CN" altLang="en-US" dirty="0"/>
           </a:p>
         </p:txBody>
       </p:sp>
@@ -5418,25 +5356,25 @@
           <a:lstStyle/>
           <a:p>
             <a:r>
-              <a:rPr lang="en-US" altLang="zh-CN" dirty="0" smtClean="0"/>
+              <a:rPr lang="en-US" altLang="zh-CN" dirty="0"/>
               <a:t>Pitch:</a:t>
             </a:r>
             <a:r>
-              <a:rPr lang="zh-CN" altLang="en-US" dirty="0" smtClean="0"/>
+              <a:rPr lang="zh-CN" altLang="en-US" dirty="0"/>
               <a:t>俯仰角（控制前进后退）</a:t>
             </a:r>
-            <a:endParaRPr lang="en-US" altLang="zh-CN" dirty="0" smtClean="0"/>
-          </a:p>
-          <a:p>
-            <a:r>
-              <a:rPr lang="en-US" altLang="zh-CN" dirty="0" smtClean="0"/>
+            <a:endParaRPr lang="en-US" altLang="zh-CN" dirty="0"/>
+          </a:p>
+          <a:p>
+            <a:r>
+              <a:rPr lang="en-US" altLang="zh-CN" dirty="0"/>
               <a:t>Roll:</a:t>
             </a:r>
             <a:r>
-              <a:rPr lang="zh-CN" altLang="en-US" dirty="0" smtClean="0"/>
+              <a:rPr lang="zh-CN" altLang="en-US" dirty="0"/>
               <a:t> 横滚角（控制左右转弯）</a:t>
             </a:r>
-            <a:endParaRPr lang="en-US" altLang="zh-CN" dirty="0" smtClean="0"/>
+            <a:endParaRPr lang="en-US" altLang="zh-CN" dirty="0"/>
           </a:p>
         </p:txBody>
       </p:sp>
@@ -5486,10 +5424,9 @@
           <a:lstStyle/>
           <a:p>
             <a:r>
-              <a:rPr lang="zh-CN" altLang="en-US" dirty="0" smtClean="0"/>
+              <a:rPr lang="zh-CN" altLang="en-US" dirty="0"/>
               <a:t>电路图</a:t>
             </a:r>
-            <a:endParaRPr lang="zh-CN" altLang="en-US" dirty="0"/>
           </a:p>
         </p:txBody>
       </p:sp>
@@ -5547,18 +5484,13 @@
             <a:p>
               <a:pPr algn="ctr"/>
               <a:r>
-                <a:rPr lang="zh-CN" altLang="en-US" dirty="0" smtClean="0">
+                <a:rPr lang="zh-CN" altLang="en-US" dirty="0">
                   <a:solidFill>
                     <a:schemeClr val="tx1"/>
                   </a:solidFill>
                 </a:rPr>
                 <a:t>电池</a:t>
               </a:r>
-              <a:endParaRPr lang="zh-CN" altLang="en-US" dirty="0">
-                <a:solidFill>
-                  <a:schemeClr val="tx1"/>
-                </a:solidFill>
-              </a:endParaRPr>
             </a:p>
           </p:txBody>
         </p:sp>
@@ -5585,10 +5517,9 @@
             <a:lstStyle/>
             <a:p>
               <a:r>
-                <a:rPr lang="zh-CN" altLang="en-US" dirty="0" smtClean="0"/>
+                <a:rPr lang="zh-CN" altLang="en-US" dirty="0"/>
                 <a:t>正极</a:t>
               </a:r>
-              <a:endParaRPr lang="zh-CN" altLang="en-US" dirty="0"/>
             </a:p>
           </p:txBody>
         </p:sp>
@@ -5615,10 +5546,9 @@
             <a:lstStyle/>
             <a:p>
               <a:r>
-                <a:rPr lang="zh-CN" altLang="en-US" dirty="0" smtClean="0"/>
+                <a:rPr lang="zh-CN" altLang="en-US" dirty="0"/>
                 <a:t>负极</a:t>
               </a:r>
-              <a:endParaRPr lang="zh-CN" altLang="en-US" dirty="0"/>
             </a:p>
           </p:txBody>
         </p:sp>
@@ -5677,7 +5607,7 @@
             <a:p>
               <a:pPr algn="ctr"/>
               <a:r>
-                <a:rPr lang="zh-CN" altLang="en-US" dirty="0" smtClean="0">
+                <a:rPr lang="zh-CN" altLang="en-US" dirty="0">
                   <a:ln w="0"/>
                   <a:solidFill>
                     <a:schemeClr val="tx1"/>
@@ -5692,19 +5622,6 @@
                 </a:rPr>
                 <a:t>降压模块</a:t>
               </a:r>
-              <a:endParaRPr lang="zh-CN" altLang="en-US" dirty="0">
-                <a:ln w="0"/>
-                <a:solidFill>
-                  <a:schemeClr val="tx1"/>
-                </a:solidFill>
-                <a:effectLst>
-                  <a:outerShdw blurRad="38100" dist="19050" dir="2700000" algn="tl" rotWithShape="0">
-                    <a:schemeClr val="dk1">
-                      <a:alpha val="40000"/>
-                    </a:schemeClr>
-                  </a:outerShdw>
-                </a:effectLst>
-              </a:endParaRPr>
             </a:p>
           </p:txBody>
         </p:sp>
@@ -5731,7 +5648,7 @@
             <a:lstStyle/>
             <a:p>
               <a:r>
-                <a:rPr lang="en-US" altLang="zh-CN" dirty="0" smtClean="0"/>
+                <a:rPr lang="en-US" altLang="zh-CN" dirty="0"/>
                 <a:t>+</a:t>
               </a:r>
               <a:endParaRPr lang="zh-CN" altLang="en-US" dirty="0"/>
@@ -5761,7 +5678,7 @@
             <a:lstStyle/>
             <a:p>
               <a:r>
-                <a:rPr lang="en-US" altLang="zh-CN" dirty="0" smtClean="0"/>
+                <a:rPr lang="en-US" altLang="zh-CN" dirty="0"/>
                 <a:t>+</a:t>
               </a:r>
               <a:endParaRPr lang="zh-CN" altLang="en-US" dirty="0"/>
@@ -5791,7 +5708,7 @@
             <a:lstStyle/>
             <a:p>
               <a:r>
-                <a:rPr lang="en-US" altLang="zh-CN" dirty="0" smtClean="0"/>
+                <a:rPr lang="en-US" altLang="zh-CN" dirty="0"/>
                 <a:t>-</a:t>
               </a:r>
               <a:endParaRPr lang="zh-CN" altLang="en-US" dirty="0"/>
@@ -5821,7 +5738,7 @@
             <a:lstStyle/>
             <a:p>
               <a:r>
-                <a:rPr lang="en-US" altLang="zh-CN" dirty="0" smtClean="0"/>
+                <a:rPr lang="en-US" altLang="zh-CN" dirty="0"/>
                 <a:t>-</a:t>
               </a:r>
               <a:endParaRPr lang="zh-CN" altLang="en-US" dirty="0"/>
@@ -5851,7 +5768,7 @@
             <a:lstStyle/>
             <a:p>
               <a:r>
-                <a:rPr lang="en-US" altLang="zh-CN" dirty="0" smtClean="0"/>
+                <a:rPr lang="en-US" altLang="zh-CN" dirty="0"/>
                 <a:t>12v</a:t>
               </a:r>
               <a:endParaRPr lang="zh-CN" altLang="en-US" dirty="0"/>
@@ -5882,11 +5799,7 @@
             <a:p>
               <a:r>
                 <a:rPr lang="en-US" altLang="zh-CN" dirty="0"/>
-                <a:t>5</a:t>
-              </a:r>
-              <a:r>
-                <a:rPr lang="en-US" altLang="zh-CN" dirty="0" smtClean="0"/>
-                <a:t>v</a:t>
+                <a:t>5v</a:t>
               </a:r>
               <a:endParaRPr lang="zh-CN" altLang="en-US" dirty="0"/>
             </a:p>
@@ -6083,18 +5996,13 @@
             <a:p>
               <a:pPr algn="ctr"/>
               <a:r>
-                <a:rPr lang="zh-CN" altLang="en-US" dirty="0" smtClean="0">
+                <a:rPr lang="zh-CN" altLang="en-US" dirty="0">
                   <a:solidFill>
                     <a:schemeClr val="tx1"/>
                   </a:solidFill>
                 </a:rPr>
                 <a:t>蓝牙</a:t>
               </a:r>
-              <a:endParaRPr lang="zh-CN" altLang="en-US" dirty="0">
-                <a:solidFill>
-                  <a:schemeClr val="tx1"/>
-                </a:solidFill>
-              </a:endParaRPr>
             </a:p>
           </p:txBody>
         </p:sp>
@@ -6121,7 +6029,7 @@
             <a:lstStyle/>
             <a:p>
               <a:r>
-                <a:rPr lang="en-US" altLang="zh-CN" dirty="0" smtClean="0"/>
+                <a:rPr lang="en-US" altLang="zh-CN" dirty="0"/>
                 <a:t>5V</a:t>
               </a:r>
               <a:endParaRPr lang="zh-CN" altLang="en-US" dirty="0"/>
@@ -6151,7 +6059,7 @@
             <a:lstStyle/>
             <a:p>
               <a:r>
-                <a:rPr lang="en-US" altLang="zh-CN" dirty="0" smtClean="0"/>
+                <a:rPr lang="en-US" altLang="zh-CN" dirty="0"/>
                 <a:t>GND</a:t>
               </a:r>
               <a:endParaRPr lang="zh-CN" altLang="en-US" dirty="0"/>
@@ -6181,7 +6089,7 @@
             <a:lstStyle/>
             <a:p>
               <a:r>
-                <a:rPr lang="en-US" altLang="zh-CN" dirty="0" smtClean="0"/>
+                <a:rPr lang="en-US" altLang="zh-CN" dirty="0"/>
                 <a:t>TX</a:t>
               </a:r>
               <a:endParaRPr lang="zh-CN" altLang="en-US" dirty="0"/>
@@ -6211,7 +6119,7 @@
             <a:lstStyle/>
             <a:p>
               <a:r>
-                <a:rPr lang="en-US" altLang="zh-CN" dirty="0" smtClean="0"/>
+                <a:rPr lang="en-US" altLang="zh-CN" dirty="0"/>
                 <a:t>RX</a:t>
               </a:r>
               <a:endParaRPr lang="zh-CN" altLang="en-US" dirty="0"/>
@@ -6273,7 +6181,7 @@
             <a:p>
               <a:pPr algn="ctr"/>
               <a:r>
-                <a:rPr lang="en-US" altLang="zh-CN" dirty="0" smtClean="0">
+                <a:rPr lang="en-US" altLang="zh-CN" dirty="0">
                   <a:solidFill>
                     <a:schemeClr val="tx1"/>
                   </a:solidFill>
@@ -6311,7 +6219,7 @@
             <a:lstStyle/>
             <a:p>
               <a:r>
-                <a:rPr lang="en-US" altLang="zh-CN" dirty="0" smtClean="0"/>
+                <a:rPr lang="en-US" altLang="zh-CN" dirty="0"/>
                 <a:t>5V</a:t>
               </a:r>
               <a:endParaRPr lang="zh-CN" altLang="en-US" dirty="0"/>
@@ -6341,7 +6249,7 @@
             <a:lstStyle/>
             <a:p>
               <a:r>
-                <a:rPr lang="en-US" altLang="zh-CN" dirty="0" smtClean="0"/>
+                <a:rPr lang="en-US" altLang="zh-CN" dirty="0"/>
                 <a:t>GND</a:t>
               </a:r>
               <a:endParaRPr lang="zh-CN" altLang="en-US" dirty="0"/>
@@ -6371,7 +6279,7 @@
             <a:lstStyle/>
             <a:p>
               <a:r>
-                <a:rPr lang="en-US" altLang="zh-CN" dirty="0" smtClean="0"/>
+                <a:rPr lang="en-US" altLang="zh-CN" dirty="0"/>
                 <a:t>SCL</a:t>
               </a:r>
               <a:endParaRPr lang="zh-CN" altLang="en-US" dirty="0"/>
@@ -6401,7 +6309,7 @@
             <a:lstStyle/>
             <a:p>
               <a:r>
-                <a:rPr lang="en-US" altLang="zh-CN" dirty="0" smtClean="0"/>
+                <a:rPr lang="en-US" altLang="zh-CN" dirty="0"/>
                 <a:t>SDA</a:t>
               </a:r>
               <a:endParaRPr lang="zh-CN" altLang="en-US" dirty="0"/>
@@ -6803,7 +6711,7 @@
               <a:p>
                 <a:pPr algn="ctr"/>
                 <a:r>
-                  <a:rPr lang="en-US" altLang="zh-CN" dirty="0" err="1" smtClean="0">
+                  <a:rPr lang="en-US" altLang="zh-CN" dirty="0" err="1">
                     <a:solidFill>
                       <a:schemeClr val="tx1"/>
                     </a:solidFill>
@@ -6841,7 +6749,7 @@
               <a:lstStyle/>
               <a:p>
                 <a:r>
-                  <a:rPr lang="en-US" altLang="zh-CN" sz="1400" dirty="0" smtClean="0"/>
+                  <a:rPr lang="en-US" altLang="zh-CN" sz="1400" dirty="0"/>
                   <a:t>VIN</a:t>
                 </a:r>
                 <a:endParaRPr lang="zh-CN" altLang="en-US" sz="1400" dirty="0"/>
@@ -6871,7 +6779,7 @@
               <a:lstStyle/>
               <a:p>
                 <a:r>
-                  <a:rPr lang="en-US" altLang="zh-CN" sz="1400" dirty="0" smtClean="0"/>
+                  <a:rPr lang="en-US" altLang="zh-CN" sz="1400" dirty="0"/>
                   <a:t>GND</a:t>
                 </a:r>
                 <a:endParaRPr lang="zh-CN" altLang="en-US" sz="1400" dirty="0"/>
@@ -6902,7 +6810,7 @@
             <a:lstStyle/>
             <a:p>
               <a:r>
-                <a:rPr lang="en-US" altLang="zh-CN" dirty="0" smtClean="0"/>
+                <a:rPr lang="en-US" altLang="zh-CN" dirty="0"/>
                 <a:t>TX</a:t>
               </a:r>
               <a:endParaRPr lang="zh-CN" altLang="en-US" dirty="0"/>
@@ -6933,11 +6841,7 @@
             <a:p>
               <a:r>
                 <a:rPr lang="en-US" altLang="zh-CN" dirty="0"/>
-                <a:t>R</a:t>
-              </a:r>
-              <a:r>
-                <a:rPr lang="en-US" altLang="zh-CN" dirty="0" smtClean="0"/>
-                <a:t>X</a:t>
+                <a:t>RX</a:t>
               </a:r>
               <a:endParaRPr lang="zh-CN" altLang="en-US" dirty="0"/>
             </a:p>
@@ -6966,7 +6870,7 @@
             <a:lstStyle/>
             <a:p>
               <a:r>
-                <a:rPr lang="en-US" altLang="zh-CN" dirty="0" smtClean="0"/>
+                <a:rPr lang="en-US" altLang="zh-CN" dirty="0"/>
                 <a:t>SCL</a:t>
               </a:r>
               <a:endParaRPr lang="zh-CN" altLang="en-US" dirty="0"/>
@@ -6996,7 +6900,7 @@
             <a:lstStyle/>
             <a:p>
               <a:r>
-                <a:rPr lang="en-US" altLang="zh-CN" dirty="0" smtClean="0"/>
+                <a:rPr lang="en-US" altLang="zh-CN" dirty="0"/>
                 <a:t>SDA</a:t>
               </a:r>
               <a:endParaRPr lang="zh-CN" altLang="en-US" dirty="0"/>
@@ -7196,18 +7100,13 @@
           <a:p>
             <a:pPr algn="ctr"/>
             <a:r>
-              <a:rPr lang="zh-CN" altLang="en-US" dirty="0" smtClean="0">
+              <a:rPr lang="zh-CN" altLang="en-US" dirty="0">
                 <a:solidFill>
                   <a:schemeClr val="tx1"/>
                 </a:solidFill>
               </a:rPr>
               <a:t>开关</a:t>
             </a:r>
-            <a:endParaRPr lang="zh-CN" altLang="en-US" dirty="0">
-              <a:solidFill>
-                <a:schemeClr val="tx1"/>
-              </a:solidFill>
-            </a:endParaRPr>
           </a:p>
         </p:txBody>
       </p:sp>
@@ -7291,10 +7190,9 @@
           <a:lstStyle/>
           <a:p>
             <a:r>
-              <a:rPr lang="zh-CN" altLang="en-US" dirty="0" smtClean="0"/>
+              <a:rPr lang="zh-CN" altLang="en-US" dirty="0"/>
               <a:t>焊电路注意事项</a:t>
             </a:r>
-            <a:endParaRPr lang="zh-CN" altLang="en-US" dirty="0"/>
           </a:p>
         </p:txBody>
       </p:sp>
@@ -7314,94 +7212,93 @@
           <a:lstStyle/>
           <a:p>
             <a:r>
-              <a:rPr lang="en-US" altLang="zh-CN" dirty="0" smtClean="0"/>
+              <a:rPr lang="en-US" altLang="zh-CN" dirty="0"/>
               <a:t>MPU6050</a:t>
             </a:r>
             <a:r>
-              <a:rPr lang="zh-CN" altLang="en-US" dirty="0" smtClean="0"/>
-              <a:t>摆放方向！！</a:t>
-            </a:r>
-            <a:endParaRPr lang="en-US" altLang="zh-CN" dirty="0" smtClean="0"/>
-          </a:p>
-          <a:p>
-            <a:r>
-              <a:rPr lang="en-US" altLang="zh-CN" dirty="0" smtClean="0"/>
+              <a:rPr lang="zh-CN" altLang="en-US" dirty="0"/>
+              <a:t>摆放方向！！要打孔固定</a:t>
+            </a:r>
+            <a:endParaRPr lang="en-US" altLang="zh-CN" dirty="0"/>
+          </a:p>
+          <a:p>
+            <a:r>
+              <a:rPr lang="en-US" altLang="zh-CN" dirty="0"/>
               <a:t>Arduino</a:t>
             </a:r>
             <a:r>
-              <a:rPr lang="zh-CN" altLang="en-US" dirty="0" smtClean="0"/>
+              <a:rPr lang="zh-CN" altLang="en-US" dirty="0"/>
               <a:t>周围仍采用三圈排针</a:t>
             </a:r>
-            <a:endParaRPr lang="en-US" altLang="zh-CN" dirty="0" smtClean="0"/>
-          </a:p>
-          <a:p>
-            <a:r>
-              <a:rPr lang="zh-CN" altLang="en-US" dirty="0" smtClean="0"/>
+            <a:endParaRPr lang="en-US" altLang="zh-CN" dirty="0"/>
+          </a:p>
+          <a:p>
+            <a:r>
+              <a:rPr lang="zh-CN" altLang="en-US" dirty="0"/>
               <a:t>走线先考虑信号线（</a:t>
             </a:r>
             <a:r>
-              <a:rPr lang="en-US" altLang="zh-CN" dirty="0" smtClean="0"/>
+              <a:rPr lang="en-US" altLang="zh-CN" dirty="0"/>
               <a:t>TX</a:t>
             </a:r>
             <a:r>
-              <a:rPr lang="zh-CN" altLang="en-US" dirty="0" smtClean="0"/>
+              <a:rPr lang="zh-CN" altLang="en-US" dirty="0"/>
               <a:t>，</a:t>
             </a:r>
             <a:r>
-              <a:rPr lang="en-US" altLang="zh-CN" dirty="0" smtClean="0"/>
+              <a:rPr lang="en-US" altLang="zh-CN" dirty="0"/>
               <a:t>RX</a:t>
             </a:r>
             <a:r>
-              <a:rPr lang="zh-CN" altLang="en-US" dirty="0" smtClean="0"/>
+              <a:rPr lang="zh-CN" altLang="en-US" dirty="0"/>
               <a:t>，</a:t>
             </a:r>
             <a:r>
-              <a:rPr lang="en-US" altLang="zh-CN" dirty="0" smtClean="0"/>
+              <a:rPr lang="en-US" altLang="zh-CN" dirty="0"/>
               <a:t>SDA</a:t>
             </a:r>
             <a:r>
-              <a:rPr lang="zh-CN" altLang="en-US" dirty="0" smtClean="0"/>
+              <a:rPr lang="zh-CN" altLang="en-US" dirty="0"/>
               <a:t>，</a:t>
             </a:r>
             <a:r>
-              <a:rPr lang="en-US" altLang="zh-CN" dirty="0" smtClean="0"/>
+              <a:rPr lang="en-US" altLang="zh-CN" dirty="0"/>
               <a:t>SCL</a:t>
             </a:r>
             <a:r>
-              <a:rPr lang="zh-CN" altLang="en-US" dirty="0" smtClean="0"/>
+              <a:rPr lang="zh-CN" altLang="en-US" dirty="0"/>
               <a:t>），尽量短，少转弯。</a:t>
             </a:r>
-            <a:endParaRPr lang="en-US" altLang="zh-CN" dirty="0" smtClean="0"/>
-          </a:p>
-          <a:p>
-            <a:r>
-              <a:rPr lang="zh-CN" altLang="en-US" dirty="0" smtClean="0"/>
+            <a:endParaRPr lang="en-US" altLang="zh-CN" dirty="0"/>
+          </a:p>
+          <a:p>
+            <a:r>
+              <a:rPr lang="zh-CN" altLang="en-US" dirty="0"/>
               <a:t>走完信号线走电源线（</a:t>
             </a:r>
             <a:r>
-              <a:rPr lang="en-US" altLang="zh-CN" dirty="0" smtClean="0"/>
+              <a:rPr lang="en-US" altLang="zh-CN" dirty="0"/>
               <a:t>5V</a:t>
             </a:r>
             <a:r>
-              <a:rPr lang="zh-CN" altLang="en-US" dirty="0" smtClean="0"/>
+              <a:rPr lang="zh-CN" altLang="en-US" dirty="0"/>
               <a:t>，</a:t>
             </a:r>
             <a:r>
-              <a:rPr lang="en-US" altLang="zh-CN" dirty="0" smtClean="0"/>
+              <a:rPr lang="en-US" altLang="zh-CN" dirty="0"/>
               <a:t>GND</a:t>
             </a:r>
             <a:r>
-              <a:rPr lang="zh-CN" altLang="en-US" dirty="0" smtClean="0"/>
+              <a:rPr lang="zh-CN" altLang="en-US" dirty="0"/>
               <a:t>），电源线可随意走。</a:t>
             </a:r>
-            <a:endParaRPr lang="en-US" altLang="zh-CN" dirty="0" smtClean="0"/>
-          </a:p>
-          <a:p>
-            <a:r>
-              <a:rPr lang="zh-CN" altLang="en-US" dirty="0" smtClean="0"/>
+            <a:endParaRPr lang="en-US" altLang="zh-CN" dirty="0"/>
+          </a:p>
+          <a:p>
+            <a:r>
+              <a:rPr lang="zh-CN" altLang="en-US" dirty="0"/>
               <a:t>注意开关的正确使用。</a:t>
             </a:r>
-            <a:endParaRPr lang="zh-CN" altLang="en-US" dirty="0"/>
           </a:p>
         </p:txBody>
       </p:sp>
@@ -7451,10 +7348,9 @@
           <a:lstStyle/>
           <a:p>
             <a:r>
-              <a:rPr lang="zh-CN" altLang="en-US" dirty="0" smtClean="0"/>
+              <a:rPr lang="zh-CN" altLang="en-US" dirty="0"/>
               <a:t>降压模块</a:t>
             </a:r>
-            <a:endParaRPr lang="zh-CN" altLang="en-US" dirty="0"/>
           </a:p>
         </p:txBody>
       </p:sp>
@@ -7474,66 +7370,66 @@
           <a:lstStyle/>
           <a:p>
             <a:r>
-              <a:rPr lang="zh-CN" altLang="en-US" dirty="0" smtClean="0"/>
+              <a:rPr lang="zh-CN" altLang="en-US" dirty="0"/>
               <a:t>注意有</a:t>
             </a:r>
             <a:r>
-              <a:rPr lang="en-US" altLang="zh-CN" dirty="0" smtClean="0"/>
+              <a:rPr lang="en-US" altLang="zh-CN" dirty="0"/>
               <a:t>in</a:t>
             </a:r>
             <a:r>
-              <a:rPr lang="zh-CN" altLang="en-US" dirty="0" smtClean="0"/>
+              <a:rPr lang="zh-CN" altLang="en-US" dirty="0"/>
               <a:t>和</a:t>
             </a:r>
             <a:r>
-              <a:rPr lang="en-US" altLang="zh-CN" dirty="0" smtClean="0"/>
+              <a:rPr lang="en-US" altLang="zh-CN" dirty="0"/>
               <a:t>out</a:t>
             </a:r>
             <a:r>
-              <a:rPr lang="zh-CN" altLang="en-US" dirty="0" smtClean="0"/>
+              <a:rPr lang="zh-CN" altLang="en-US" dirty="0"/>
               <a:t>两端，</a:t>
             </a:r>
             <a:r>
-              <a:rPr lang="en-US" altLang="zh-CN" dirty="0" smtClean="0"/>
+              <a:rPr lang="en-US" altLang="zh-CN" dirty="0"/>
               <a:t>in</a:t>
             </a:r>
             <a:r>
-              <a:rPr lang="zh-CN" altLang="en-US" dirty="0" smtClean="0"/>
+              <a:rPr lang="zh-CN" altLang="en-US" dirty="0"/>
               <a:t>为输入电压，</a:t>
             </a:r>
             <a:r>
-              <a:rPr lang="en-US" altLang="zh-CN" dirty="0" smtClean="0"/>
+              <a:rPr lang="en-US" altLang="zh-CN" dirty="0"/>
               <a:t>out</a:t>
             </a:r>
             <a:r>
-              <a:rPr lang="zh-CN" altLang="en-US" dirty="0" smtClean="0"/>
+              <a:rPr lang="zh-CN" altLang="en-US" dirty="0"/>
               <a:t>为输出电压。</a:t>
             </a:r>
-            <a:endParaRPr lang="en-US" altLang="zh-CN" dirty="0" smtClean="0"/>
-          </a:p>
-          <a:p>
-            <a:r>
-              <a:rPr lang="zh-CN" altLang="en-US" dirty="0" smtClean="0"/>
+            <a:endParaRPr lang="en-US" altLang="zh-CN" dirty="0"/>
+          </a:p>
+          <a:p>
+            <a:r>
+              <a:rPr lang="zh-CN" altLang="en-US" dirty="0"/>
               <a:t>焊接好之后，用电表测量</a:t>
             </a:r>
             <a:r>
-              <a:rPr lang="en-US" altLang="zh-CN" dirty="0" smtClean="0"/>
+              <a:rPr lang="en-US" altLang="zh-CN" dirty="0"/>
               <a:t>out</a:t>
             </a:r>
             <a:r>
-              <a:rPr lang="zh-CN" altLang="en-US" dirty="0" smtClean="0"/>
+              <a:rPr lang="zh-CN" altLang="en-US" dirty="0"/>
               <a:t>两端电压，用螺丝刀调整电位器，使</a:t>
             </a:r>
             <a:r>
-              <a:rPr lang="en-US" altLang="zh-CN" dirty="0" smtClean="0"/>
+              <a:rPr lang="en-US" altLang="zh-CN" dirty="0"/>
               <a:t>out</a:t>
             </a:r>
             <a:r>
-              <a:rPr lang="zh-CN" altLang="en-US" dirty="0" smtClean="0"/>
+              <a:rPr lang="zh-CN" altLang="en-US" dirty="0"/>
               <a:t>两端电压为</a:t>
             </a:r>
             <a:r>
-              <a:rPr lang="en-US" altLang="zh-CN" dirty="0" smtClean="0"/>
+              <a:rPr lang="en-US" altLang="zh-CN" dirty="0"/>
               <a:t>5V.</a:t>
             </a:r>
             <a:endParaRPr lang="zh-CN" altLang="en-US" dirty="0"/>
@@ -7586,18 +7482,14 @@
           <a:lstStyle/>
           <a:p>
             <a:r>
-              <a:rPr lang="zh-CN" altLang="en-US" dirty="0" smtClean="0"/>
+              <a:rPr lang="zh-CN" altLang="en-US" dirty="0"/>
               <a:t>蓝牙</a:t>
             </a:r>
-            <a:r>
-              <a:rPr lang="en-US" altLang="zh-CN" dirty="0" smtClean="0"/>
-              <a:t/>
-            </a:r>
             <a:br>
-              <a:rPr lang="en-US" altLang="zh-CN" dirty="0" smtClean="0"/>
+              <a:rPr lang="en-US" altLang="zh-CN" dirty="0"/>
             </a:br>
             <a:r>
-              <a:rPr lang="en-US" altLang="zh-CN" dirty="0" smtClean="0"/>
+              <a:rPr lang="en-US" altLang="zh-CN" dirty="0"/>
               <a:t>HC-05</a:t>
             </a:r>
             <a:endParaRPr lang="zh-CN" altLang="en-US" dirty="0"/>
@@ -7620,39 +7512,38 @@
           <a:lstStyle/>
           <a:p>
             <a:r>
-              <a:rPr lang="zh-CN" altLang="en-US" dirty="0" smtClean="0"/>
+              <a:rPr lang="zh-CN" altLang="en-US" dirty="0"/>
               <a:t>协议 </a:t>
             </a:r>
             <a:r>
-              <a:rPr lang="en-US" altLang="zh-CN" dirty="0" smtClean="0"/>
+              <a:rPr lang="en-US" altLang="zh-CN" dirty="0"/>
               <a:t>UART</a:t>
             </a:r>
           </a:p>
           <a:p>
             <a:r>
-              <a:rPr lang="en-US" altLang="zh-CN" dirty="0" smtClean="0"/>
+              <a:rPr lang="en-US" altLang="zh-CN" dirty="0"/>
               <a:t>AT</a:t>
             </a:r>
             <a:r>
-              <a:rPr lang="zh-CN" altLang="en-US" dirty="0" smtClean="0"/>
+              <a:rPr lang="zh-CN" altLang="en-US" dirty="0"/>
               <a:t>模式</a:t>
             </a:r>
-            <a:endParaRPr lang="en-US" altLang="zh-CN" dirty="0" smtClean="0"/>
-          </a:p>
-          <a:p>
-            <a:r>
-              <a:rPr lang="zh-CN" altLang="en-US" dirty="0" smtClean="0"/>
+            <a:endParaRPr lang="en-US" altLang="zh-CN" dirty="0"/>
+          </a:p>
+          <a:p>
+            <a:r>
+              <a:rPr lang="zh-CN" altLang="en-US" dirty="0"/>
               <a:t>主机</a:t>
             </a:r>
             <a:r>
-              <a:rPr lang="en-US" altLang="zh-CN" dirty="0" smtClean="0"/>
+              <a:rPr lang="en-US" altLang="zh-CN" dirty="0"/>
               <a:t>-</a:t>
             </a:r>
             <a:r>
-              <a:rPr lang="zh-CN" altLang="en-US" dirty="0" smtClean="0"/>
+              <a:rPr lang="zh-CN" altLang="en-US" dirty="0"/>
               <a:t>从机</a:t>
             </a:r>
-            <a:endParaRPr lang="zh-CN" altLang="en-US" dirty="0"/>
           </a:p>
         </p:txBody>
       </p:sp>
@@ -7702,18 +7593,14 @@
           <a:lstStyle/>
           <a:p>
             <a:r>
-              <a:rPr lang="zh-CN" altLang="en-US" dirty="0" smtClean="0"/>
+              <a:rPr lang="zh-CN" altLang="en-US" dirty="0"/>
               <a:t>协议</a:t>
             </a:r>
-            <a:r>
-              <a:rPr lang="en-US" altLang="zh-CN" dirty="0" smtClean="0"/>
-              <a:t/>
-            </a:r>
             <a:br>
-              <a:rPr lang="en-US" altLang="zh-CN" dirty="0" smtClean="0"/>
+              <a:rPr lang="en-US" altLang="zh-CN" dirty="0"/>
             </a:br>
             <a:r>
-              <a:rPr lang="en-US" altLang="zh-CN" dirty="0" smtClean="0"/>
+              <a:rPr lang="en-US" altLang="zh-CN" dirty="0"/>
               <a:t>UART</a:t>
             </a:r>
             <a:endParaRPr lang="zh-CN" altLang="en-US" dirty="0"/>
@@ -7736,39 +7623,38 @@
           <a:lstStyle/>
           <a:p>
             <a:r>
-              <a:rPr lang="zh-CN" altLang="en-US" dirty="0" smtClean="0"/>
+              <a:rPr lang="zh-CN" altLang="en-US" dirty="0"/>
               <a:t>串口协议</a:t>
             </a:r>
-            <a:endParaRPr lang="en-US" altLang="zh-CN" dirty="0" smtClean="0"/>
-          </a:p>
-          <a:p>
-            <a:r>
-              <a:rPr lang="en-US" altLang="zh-CN" dirty="0" smtClean="0"/>
+            <a:endParaRPr lang="en-US" altLang="zh-CN" dirty="0"/>
+          </a:p>
+          <a:p>
+            <a:r>
+              <a:rPr lang="en-US" altLang="zh-CN" dirty="0"/>
               <a:t>RX—</a:t>
             </a:r>
             <a:r>
-              <a:rPr lang="zh-CN" altLang="en-US" dirty="0" smtClean="0"/>
+              <a:rPr lang="zh-CN" altLang="en-US" dirty="0"/>
               <a:t>接收</a:t>
             </a:r>
-            <a:endParaRPr lang="en-US" altLang="zh-CN" dirty="0" smtClean="0"/>
-          </a:p>
-          <a:p>
-            <a:r>
-              <a:rPr lang="en-US" altLang="zh-CN" dirty="0" smtClean="0"/>
+            <a:endParaRPr lang="en-US" altLang="zh-CN" dirty="0"/>
+          </a:p>
+          <a:p>
+            <a:r>
+              <a:rPr lang="en-US" altLang="zh-CN" dirty="0"/>
               <a:t>TX—</a:t>
             </a:r>
             <a:r>
-              <a:rPr lang="zh-CN" altLang="en-US" dirty="0" smtClean="0"/>
+              <a:rPr lang="zh-CN" altLang="en-US" dirty="0"/>
               <a:t>发送</a:t>
             </a:r>
-            <a:endParaRPr lang="en-US" altLang="zh-CN" dirty="0" smtClean="0"/>
-          </a:p>
-          <a:p>
-            <a:r>
-              <a:rPr lang="zh-CN" altLang="en-US" dirty="0" smtClean="0"/>
+            <a:endParaRPr lang="en-US" altLang="zh-CN" dirty="0"/>
+          </a:p>
+          <a:p>
+            <a:r>
+              <a:rPr lang="zh-CN" altLang="en-US" dirty="0"/>
               <a:t>能同时接收和发送</a:t>
             </a:r>
-            <a:endParaRPr lang="zh-CN" altLang="en-US" dirty="0"/>
           </a:p>
         </p:txBody>
       </p:sp>
@@ -7818,25 +7704,20 @@
           <a:lstStyle/>
           <a:p>
             <a:r>
-              <a:rPr lang="en-US" altLang="zh-CN" dirty="0" smtClean="0"/>
+              <a:rPr lang="en-US" altLang="zh-CN" dirty="0"/>
               <a:t>AT</a:t>
             </a:r>
             <a:r>
-              <a:rPr lang="zh-CN" altLang="en-US" dirty="0" smtClean="0"/>
+              <a:rPr lang="zh-CN" altLang="en-US" dirty="0"/>
               <a:t>指令模式</a:t>
             </a:r>
-            <a:r>
-              <a:rPr lang="en-US" altLang="zh-CN" dirty="0" smtClean="0"/>
-              <a:t/>
-            </a:r>
             <a:br>
-              <a:rPr lang="en-US" altLang="zh-CN" dirty="0" smtClean="0"/>
+              <a:rPr lang="en-US" altLang="zh-CN" dirty="0"/>
             </a:br>
             <a:r>
-              <a:rPr lang="zh-CN" altLang="en-US" dirty="0" smtClean="0"/>
+              <a:rPr lang="zh-CN" altLang="en-US" dirty="0"/>
               <a:t>（配置蓝牙的名称，密码等）</a:t>
             </a:r>
-            <a:endParaRPr lang="zh-CN" altLang="en-US" dirty="0"/>
           </a:p>
         </p:txBody>
       </p:sp>
@@ -7877,7 +7758,7 @@
           <a:p>
             <a:pPr algn="ctr"/>
             <a:r>
-              <a:rPr lang="en-US" altLang="zh-CN" sz="3200" dirty="0" err="1" smtClean="0"/>
+              <a:rPr lang="en-US" altLang="zh-CN" sz="3200" dirty="0" err="1"/>
               <a:t>Usb-ttl</a:t>
             </a:r>
             <a:endParaRPr lang="zh-CN" altLang="en-US" sz="3200" dirty="0"/>
@@ -7921,7 +7802,7 @@
           <a:p>
             <a:pPr algn="ctr"/>
             <a:r>
-              <a:rPr lang="en-US" altLang="zh-CN" sz="3200" dirty="0" smtClean="0"/>
+              <a:rPr lang="en-US" altLang="zh-CN" sz="3200" dirty="0"/>
               <a:t>HC-05</a:t>
             </a:r>
             <a:endParaRPr lang="zh-CN" altLang="en-US" sz="3200" dirty="0"/>
@@ -7951,7 +7832,7 @@
           <a:lstStyle/>
           <a:p>
             <a:r>
-              <a:rPr lang="en-US" altLang="zh-CN" sz="2000" dirty="0" smtClean="0">
+              <a:rPr lang="en-US" altLang="zh-CN" sz="2000" dirty="0">
                 <a:solidFill>
                   <a:schemeClr val="bg1"/>
                 </a:solidFill>
@@ -7989,7 +7870,7 @@
           <a:lstStyle/>
           <a:p>
             <a:r>
-              <a:rPr lang="en-US" altLang="zh-CN" sz="2000" dirty="0" smtClean="0">
+              <a:rPr lang="en-US" altLang="zh-CN" sz="2000" dirty="0">
                 <a:solidFill>
                   <a:schemeClr val="bg1"/>
                 </a:solidFill>
@@ -8027,7 +7908,7 @@
           <a:lstStyle/>
           <a:p>
             <a:r>
-              <a:rPr lang="en-US" altLang="zh-CN" sz="2000" dirty="0" smtClean="0">
+              <a:rPr lang="en-US" altLang="zh-CN" sz="2000" dirty="0">
                 <a:solidFill>
                   <a:schemeClr val="bg1"/>
                 </a:solidFill>
@@ -8065,7 +7946,7 @@
           <a:lstStyle/>
           <a:p>
             <a:r>
-              <a:rPr lang="en-US" altLang="zh-CN" sz="2000" dirty="0" smtClean="0">
+              <a:rPr lang="en-US" altLang="zh-CN" sz="2000" dirty="0">
                 <a:solidFill>
                   <a:schemeClr val="bg1"/>
                 </a:solidFill>
@@ -8193,21 +8074,16 @@
           <a:lstStyle/>
           <a:p>
             <a:r>
-              <a:rPr lang="zh-CN" altLang="en-US" dirty="0" smtClean="0"/>
+              <a:rPr lang="zh-CN" altLang="en-US" dirty="0"/>
               <a:t>软件</a:t>
             </a:r>
-            <a:r>
-              <a:rPr lang="en-US" altLang="zh-CN" dirty="0" smtClean="0"/>
-              <a:t/>
-            </a:r>
             <a:br>
-              <a:rPr lang="en-US" altLang="zh-CN" dirty="0" smtClean="0"/>
+              <a:rPr lang="en-US" altLang="zh-CN" dirty="0"/>
             </a:br>
             <a:r>
-              <a:rPr lang="zh-CN" altLang="en-US" dirty="0" smtClean="0"/>
+              <a:rPr lang="zh-CN" altLang="en-US" dirty="0"/>
               <a:t>串口助手</a:t>
             </a:r>
-            <a:endParaRPr lang="zh-CN" altLang="en-US" dirty="0"/>
           </a:p>
         </p:txBody>
       </p:sp>
@@ -8257,25 +8133,24 @@
           <a:lstStyle/>
           <a:p>
             <a:r>
-              <a:rPr lang="zh-CN" altLang="en-US" dirty="0" smtClean="0"/>
+              <a:rPr lang="zh-CN" altLang="en-US" dirty="0"/>
               <a:t>端口：</a:t>
             </a:r>
             <a:r>
-              <a:rPr lang="en-US" altLang="zh-CN" dirty="0" smtClean="0"/>
+              <a:rPr lang="en-US" altLang="zh-CN" dirty="0"/>
               <a:t>USB</a:t>
             </a:r>
             <a:r>
-              <a:rPr lang="zh-CN" altLang="en-US" dirty="0" smtClean="0"/>
+              <a:rPr lang="zh-CN" altLang="en-US" dirty="0"/>
               <a:t>的端口</a:t>
             </a:r>
-            <a:endParaRPr lang="en-US" altLang="zh-CN" dirty="0" smtClean="0"/>
-          </a:p>
-          <a:p>
-            <a:r>
-              <a:rPr lang="zh-CN" altLang="en-US" dirty="0" smtClean="0"/>
+            <a:endParaRPr lang="en-US" altLang="zh-CN" dirty="0"/>
+          </a:p>
+          <a:p>
+            <a:r>
+              <a:rPr lang="zh-CN" altLang="en-US" dirty="0"/>
               <a:t>波特率：数据传输速率</a:t>
             </a:r>
-            <a:endParaRPr lang="zh-CN" altLang="en-US" dirty="0"/>
           </a:p>
         </p:txBody>
       </p:sp>
@@ -8302,10 +8177,9 @@
           <a:lstStyle/>
           <a:p>
             <a:r>
-              <a:rPr lang="zh-CN" altLang="en-US" dirty="0" smtClean="0"/>
+              <a:rPr lang="zh-CN" altLang="en-US" dirty="0"/>
               <a:t>ＰｏｒｔＨｅｌｐｅｒ．ｅｘｅ</a:t>
             </a:r>
-            <a:endParaRPr lang="zh-CN" altLang="en-US" dirty="0"/>
           </a:p>
         </p:txBody>
       </p:sp>
@@ -8355,33 +8229,28 @@
           <a:lstStyle/>
           <a:p>
             <a:r>
-              <a:rPr lang="en-US" altLang="zh-CN" dirty="0" smtClean="0"/>
+              <a:rPr lang="en-US" altLang="zh-CN" dirty="0"/>
               <a:t>AT</a:t>
             </a:r>
             <a:r>
-              <a:rPr lang="zh-CN" altLang="en-US" dirty="0" smtClean="0"/>
+              <a:rPr lang="zh-CN" altLang="en-US" dirty="0"/>
               <a:t>指令集</a:t>
             </a:r>
-            <a:r>
-              <a:rPr lang="en-US" altLang="zh-CN" dirty="0" smtClean="0"/>
-              <a:t/>
-            </a:r>
             <a:br>
-              <a:rPr lang="en-US" altLang="zh-CN" dirty="0" smtClean="0"/>
+              <a:rPr lang="en-US" altLang="zh-CN" dirty="0"/>
             </a:br>
             <a:r>
-              <a:rPr lang="zh-CN" altLang="en-US" dirty="0" smtClean="0"/>
+              <a:rPr lang="zh-CN" altLang="en-US" dirty="0"/>
               <a:t>（详见</a:t>
             </a:r>
             <a:r>
-              <a:rPr lang="en-US" altLang="zh-CN" dirty="0" smtClean="0"/>
+              <a:rPr lang="en-US" altLang="zh-CN" dirty="0"/>
               <a:t>pdf</a:t>
             </a:r>
             <a:r>
-              <a:rPr lang="zh-CN" altLang="en-US" dirty="0" smtClean="0"/>
+              <a:rPr lang="zh-CN" altLang="en-US" dirty="0"/>
               <a:t>文件“蓝牙串口说明书”）</a:t>
             </a:r>
-            <a:endParaRPr lang="zh-CN" altLang="en-US" dirty="0"/>
           </a:p>
         </p:txBody>
       </p:sp>
@@ -8401,41 +8270,41 @@
           <a:lstStyle/>
           <a:p>
             <a:r>
-              <a:rPr lang="zh-CN" altLang="en-US" dirty="0" smtClean="0"/>
+              <a:rPr lang="zh-CN" altLang="en-US" dirty="0"/>
               <a:t>主机</a:t>
             </a:r>
             <a:r>
-              <a:rPr lang="en-US" altLang="zh-CN" dirty="0" smtClean="0"/>
+              <a:rPr lang="en-US" altLang="zh-CN" dirty="0"/>
               <a:t>AT</a:t>
             </a:r>
             <a:r>
-              <a:rPr lang="zh-CN" altLang="en-US" dirty="0" smtClean="0"/>
+              <a:rPr lang="zh-CN" altLang="en-US" dirty="0"/>
               <a:t>指令</a:t>
             </a:r>
-            <a:endParaRPr lang="en-US" altLang="zh-CN" dirty="0" smtClean="0"/>
-          </a:p>
-          <a:p>
-            <a:r>
-              <a:rPr lang="zh-CN" altLang="en-US" dirty="0" smtClean="0"/>
+            <a:endParaRPr lang="en-US" altLang="zh-CN" dirty="0"/>
+          </a:p>
+          <a:p>
+            <a:r>
+              <a:rPr lang="zh-CN" altLang="en-US" dirty="0"/>
               <a:t>测试通讯</a:t>
             </a:r>
-            <a:endParaRPr lang="en-US" altLang="zh-CN" dirty="0" smtClean="0"/>
-          </a:p>
-          <a:p>
-            <a:r>
-              <a:rPr lang="zh-CN" altLang="en-US" dirty="0" smtClean="0"/>
+            <a:endParaRPr lang="en-US" altLang="zh-CN" dirty="0"/>
+          </a:p>
+          <a:p>
+            <a:r>
+              <a:rPr lang="zh-CN" altLang="en-US" dirty="0"/>
               <a:t>（发送ＡＴ，接收ＯＫ）</a:t>
             </a:r>
-            <a:endParaRPr lang="en-US" altLang="zh-CN" dirty="0" smtClean="0"/>
-          </a:p>
-          <a:p>
-            <a:endParaRPr lang="en-US" altLang="zh-CN" dirty="0" smtClean="0"/>
+            <a:endParaRPr lang="en-US" altLang="zh-CN" dirty="0"/>
+          </a:p>
+          <a:p>
+            <a:endParaRPr lang="en-US" altLang="zh-CN" dirty="0"/>
           </a:p>
           <a:p>
             <a:pPr marL="0" indent="0">
               <a:buNone/>
             </a:pPr>
-            <a:endParaRPr lang="en-US" altLang="zh-CN" dirty="0" smtClean="0"/>
+            <a:endParaRPr lang="en-US" altLang="zh-CN" dirty="0"/>
           </a:p>
         </p:txBody>
       </p:sp>
@@ -8455,39 +8324,38 @@
           <a:lstStyle/>
           <a:p>
             <a:r>
-              <a:rPr lang="zh-CN" altLang="en-US" dirty="0" smtClean="0"/>
+              <a:rPr lang="zh-CN" altLang="en-US" dirty="0"/>
               <a:t>从机</a:t>
             </a:r>
             <a:r>
-              <a:rPr lang="en-US" altLang="zh-CN" dirty="0" smtClean="0"/>
+              <a:rPr lang="en-US" altLang="zh-CN" dirty="0"/>
               <a:t>AT</a:t>
             </a:r>
             <a:r>
-              <a:rPr lang="zh-CN" altLang="en-US" dirty="0" smtClean="0"/>
+              <a:rPr lang="zh-CN" altLang="en-US" dirty="0"/>
               <a:t>指令</a:t>
             </a:r>
-            <a:endParaRPr lang="en-US" altLang="zh-CN" dirty="0" smtClean="0"/>
-          </a:p>
-          <a:p>
-            <a:r>
-              <a:rPr lang="zh-CN" altLang="en-US" dirty="0" smtClean="0"/>
+            <a:endParaRPr lang="en-US" altLang="zh-CN" dirty="0"/>
+          </a:p>
+          <a:p>
+            <a:r>
+              <a:rPr lang="zh-CN" altLang="en-US" dirty="0"/>
               <a:t>测试通讯</a:t>
             </a:r>
-            <a:endParaRPr lang="en-US" altLang="zh-CN" dirty="0" smtClean="0"/>
-          </a:p>
-          <a:p>
-            <a:r>
-              <a:rPr lang="zh-CN" altLang="en-US" dirty="0" smtClean="0"/>
+            <a:endParaRPr lang="en-US" altLang="zh-CN" dirty="0"/>
+          </a:p>
+          <a:p>
+            <a:r>
+              <a:rPr lang="zh-CN" altLang="en-US" dirty="0"/>
               <a:t>（发送ＡＴ（／ｒ／ｎ），接收ＯＫ）</a:t>
             </a:r>
-            <a:endParaRPr lang="en-US" altLang="zh-CN" dirty="0" smtClean="0"/>
-          </a:p>
-          <a:p>
-            <a:r>
-              <a:rPr lang="zh-CN" altLang="en-US" dirty="0" smtClean="0"/>
+            <a:endParaRPr lang="en-US" altLang="zh-CN" dirty="0"/>
+          </a:p>
+          <a:p>
+            <a:r>
+              <a:rPr lang="zh-CN" altLang="en-US" dirty="0"/>
               <a:t>（／ｒ／ｎ）即在发送区输入回车</a:t>
             </a:r>
-            <a:endParaRPr lang="zh-CN" altLang="en-US" dirty="0"/>
           </a:p>
         </p:txBody>
       </p:sp>

--- a/遥控器.pptx
+++ b/遥控器.pptx
@@ -15,15 +15,16 @@
     <p:sldId id="260" r:id="rId9"/>
     <p:sldId id="261" r:id="rId10"/>
     <p:sldId id="262" r:id="rId11"/>
-    <p:sldId id="263" r:id="rId12"/>
-    <p:sldId id="264" r:id="rId13"/>
-    <p:sldId id="265" r:id="rId14"/>
-    <p:sldId id="270" r:id="rId15"/>
-    <p:sldId id="271" r:id="rId16"/>
-    <p:sldId id="266" r:id="rId17"/>
-    <p:sldId id="267" r:id="rId18"/>
-    <p:sldId id="268" r:id="rId19"/>
-    <p:sldId id="269" r:id="rId20"/>
+    <p:sldId id="275" r:id="rId12"/>
+    <p:sldId id="263" r:id="rId13"/>
+    <p:sldId id="264" r:id="rId14"/>
+    <p:sldId id="265" r:id="rId15"/>
+    <p:sldId id="270" r:id="rId16"/>
+    <p:sldId id="271" r:id="rId17"/>
+    <p:sldId id="266" r:id="rId18"/>
+    <p:sldId id="267" r:id="rId19"/>
+    <p:sldId id="268" r:id="rId20"/>
+    <p:sldId id="269" r:id="rId21"/>
   </p:sldIdLst>
   <p:sldSz cx="12192000" cy="6858000"/>
   <p:notesSz cx="6858000" cy="9144000"/>
@@ -269,7 +270,7 @@
           <a:p>
             <a:fld id="{48A87A34-81AB-432B-8DAE-1953F412C126}" type="datetimeFigureOut">
               <a:rPr lang="en-US" dirty="0"/>
-              <a:t>4/3/2016</a:t>
+              <a:t>5/1/2016</a:t>
             </a:fld>
             <a:endParaRPr lang="en-US" dirty="0"/>
           </a:p>
@@ -475,7 +476,7 @@
           <a:p>
             <a:fld id="{48A87A34-81AB-432B-8DAE-1953F412C126}" type="datetimeFigureOut">
               <a:rPr lang="en-US" dirty="0"/>
-              <a:t>4/3/2016</a:t>
+              <a:t>5/1/2016</a:t>
             </a:fld>
             <a:endParaRPr lang="en-US" dirty="0"/>
           </a:p>
@@ -685,7 +686,7 @@
           <a:p>
             <a:fld id="{48A87A34-81AB-432B-8DAE-1953F412C126}" type="datetimeFigureOut">
               <a:rPr lang="en-US" dirty="0"/>
-              <a:t>4/3/2016</a:t>
+              <a:t>5/1/2016</a:t>
             </a:fld>
             <a:endParaRPr lang="en-US" dirty="0"/>
           </a:p>
@@ -881,7 +882,7 @@
           <a:p>
             <a:fld id="{48A87A34-81AB-432B-8DAE-1953F412C126}" type="datetimeFigureOut">
               <a:rPr lang="en-US" dirty="0"/>
-              <a:t>4/3/2016</a:t>
+              <a:t>5/1/2016</a:t>
             </a:fld>
             <a:endParaRPr lang="en-US" dirty="0"/>
           </a:p>
@@ -1155,7 +1156,7 @@
           <a:p>
             <a:fld id="{48A87A34-81AB-432B-8DAE-1953F412C126}" type="datetimeFigureOut">
               <a:rPr lang="en-US" dirty="0"/>
-              <a:t>4/3/2016</a:t>
+              <a:t>5/1/2016</a:t>
             </a:fld>
             <a:endParaRPr lang="en-US" dirty="0"/>
           </a:p>
@@ -1418,7 +1419,7 @@
           <a:p>
             <a:fld id="{48A87A34-81AB-432B-8DAE-1953F412C126}" type="datetimeFigureOut">
               <a:rPr lang="en-US" dirty="0"/>
-              <a:t>4/3/2016</a:t>
+              <a:t>5/1/2016</a:t>
             </a:fld>
             <a:endParaRPr lang="en-US" dirty="0"/>
           </a:p>
@@ -1829,7 +1830,7 @@
           <a:p>
             <a:fld id="{48A87A34-81AB-432B-8DAE-1953F412C126}" type="datetimeFigureOut">
               <a:rPr lang="en-US" dirty="0"/>
-              <a:t>4/3/2016</a:t>
+              <a:t>5/1/2016</a:t>
             </a:fld>
             <a:endParaRPr lang="en-US" dirty="0"/>
           </a:p>
@@ -1973,7 +1974,7 @@
           <a:p>
             <a:fld id="{48A87A34-81AB-432B-8DAE-1953F412C126}" type="datetimeFigureOut">
               <a:rPr lang="en-US" dirty="0"/>
-              <a:t>4/3/2016</a:t>
+              <a:t>5/1/2016</a:t>
             </a:fld>
             <a:endParaRPr lang="en-US" dirty="0"/>
           </a:p>
@@ -2094,7 +2095,7 @@
           <a:p>
             <a:fld id="{48A87A34-81AB-432B-8DAE-1953F412C126}" type="datetimeFigureOut">
               <a:rPr lang="en-US" dirty="0"/>
-              <a:t>4/3/2016</a:t>
+              <a:t>5/1/2016</a:t>
             </a:fld>
             <a:endParaRPr lang="en-US" dirty="0"/>
           </a:p>
@@ -2340,7 +2341,7 @@
           <a:p>
             <a:fld id="{48A87A34-81AB-432B-8DAE-1953F412C126}" type="datetimeFigureOut">
               <a:rPr lang="en-US" dirty="0"/>
-              <a:t>4/3/2016</a:t>
+              <a:t>5/1/2016</a:t>
             </a:fld>
             <a:endParaRPr lang="en-US" dirty="0"/>
           </a:p>
@@ -2781,7 +2782,7 @@
             <a:fld id="{48A87A34-81AB-432B-8DAE-1953F412C126}" type="datetimeFigureOut">
               <a:rPr lang="en-US" dirty="0"/>
               <a:pPr/>
-              <a:t>4/3/2016</a:t>
+              <a:t>5/1/2016</a:t>
             </a:fld>
             <a:endParaRPr lang="en-US" dirty="0"/>
           </a:p>
@@ -3103,7 +3104,7 @@
             <a:fld id="{48A87A34-81AB-432B-8DAE-1953F412C126}" type="datetimeFigureOut">
               <a:rPr lang="en-US" dirty="0"/>
               <a:pPr/>
-              <a:t>4/3/2016</a:t>
+              <a:t>5/1/2016</a:t>
             </a:fld>
             <a:endParaRPr lang="en-US" dirty="0"/>
           </a:p>
@@ -3705,13 +3706,31 @@
               <a:rPr lang="zh-CN" altLang="en-US" dirty="0">
                 <a:latin typeface="+mn-ea"/>
               </a:rPr>
-              <a:t>我的程序中是</a:t>
+              <a:t>我的程序中</a:t>
+            </a:r>
+            <a:r>
+              <a:rPr lang="zh-CN" altLang="en-US" dirty="0" smtClean="0">
+                <a:latin typeface="+mn-ea"/>
+              </a:rPr>
+              <a:t>是</a:t>
+            </a:r>
+            <a:r>
+              <a:rPr lang="en-US" altLang="zh-CN" dirty="0" smtClean="0">
+                <a:latin typeface="+mn-ea"/>
+              </a:rPr>
+              <a:t>1152</a:t>
+            </a:r>
+            <a:r>
+              <a:rPr lang="en-US" altLang="zh-CN" dirty="0" smtClean="0">
+                <a:latin typeface="+mn-ea"/>
+              </a:rPr>
+              <a:t>00</a:t>
             </a:r>
             <a:r>
               <a:rPr lang="en-US" altLang="zh-CN" dirty="0">
                 <a:latin typeface="+mn-ea"/>
               </a:rPr>
-              <a:t>38400.</a:t>
+              <a:t>.</a:t>
             </a:r>
           </a:p>
           <a:p>
@@ -3795,7 +3814,140 @@
           <a:p>
             <a:r>
               <a:rPr lang="zh-CN" altLang="en-US" dirty="0"/>
+              <a:t>蓝牙配置要求</a:t>
+            </a:r>
+          </a:p>
+        </p:txBody>
+      </p:sp>
+      <p:sp>
+        <p:nvSpPr>
+          <p:cNvPr id="3" name="内容占位符 2"/>
+          <p:cNvSpPr>
+            <a:spLocks noGrp="1"/>
+          </p:cNvSpPr>
+          <p:nvPr>
+            <p:ph idx="1"/>
+          </p:nvPr>
+        </p:nvSpPr>
+        <p:spPr/>
+        <p:txBody>
+          <a:bodyPr/>
+          <a:lstStyle/>
+          <a:p>
+            <a:r>
+              <a:rPr lang="zh-CN" altLang="en-US" dirty="0" smtClean="0"/>
+              <a:t>名称随意</a:t>
+            </a:r>
+            <a:endParaRPr lang="en-US" altLang="zh-CN" dirty="0" smtClean="0"/>
+          </a:p>
+          <a:p>
+            <a:r>
+              <a:rPr lang="en-US" altLang="zh-CN" dirty="0" smtClean="0"/>
+              <a:t>PIN</a:t>
+            </a:r>
+            <a:r>
+              <a:rPr lang="zh-CN" altLang="en-US" dirty="0" smtClean="0"/>
+              <a:t>配置为</a:t>
+            </a:r>
+            <a:r>
+              <a:rPr lang="en-US" altLang="zh-CN" dirty="0" smtClean="0"/>
+              <a:t>”15+</a:t>
+            </a:r>
+            <a:r>
+              <a:rPr lang="zh-CN" altLang="en-US" dirty="0" smtClean="0"/>
+              <a:t>学号后两位</a:t>
+            </a:r>
+            <a:r>
+              <a:rPr lang="en-US" altLang="zh-CN" dirty="0" smtClean="0"/>
+              <a:t>”,</a:t>
+            </a:r>
+            <a:r>
+              <a:rPr lang="zh-CN" altLang="en-US" dirty="0" smtClean="0"/>
+              <a:t>共四位</a:t>
+            </a:r>
+            <a:r>
+              <a:rPr lang="en-US" altLang="zh-CN" dirty="0" smtClean="0"/>
+              <a:t>,</a:t>
+            </a:r>
+            <a:r>
+              <a:rPr lang="zh-CN" altLang="en-US" dirty="0" smtClean="0"/>
+              <a:t>两个蓝牙</a:t>
+            </a:r>
+            <a:r>
+              <a:rPr lang="en-US" altLang="zh-CN" dirty="0" smtClean="0"/>
+              <a:t>PIN</a:t>
+            </a:r>
+            <a:r>
+              <a:rPr lang="zh-CN" altLang="en-US" smtClean="0"/>
+              <a:t>一致。</a:t>
+            </a:r>
+            <a:endParaRPr lang="en-US" altLang="zh-CN" dirty="0" smtClean="0"/>
+          </a:p>
+          <a:p>
+            <a:r>
+              <a:rPr lang="zh-CN" altLang="en-US" dirty="0" smtClean="0"/>
+              <a:t>波特率</a:t>
+            </a:r>
+            <a:r>
+              <a:rPr lang="en-US" altLang="zh-CN" dirty="0" smtClean="0"/>
+              <a:t>115200</a:t>
+            </a:r>
+            <a:endParaRPr lang="zh-CN" altLang="en-US" dirty="0"/>
+          </a:p>
+        </p:txBody>
+      </p:sp>
+    </p:spTree>
+    <p:extLst>
+      <p:ext uri="{BB962C8B-B14F-4D97-AF65-F5344CB8AC3E}">
+        <p14:creationId xmlns:p14="http://schemas.microsoft.com/office/powerpoint/2010/main" val="1870781696"/>
+      </p:ext>
+    </p:extLst>
+  </p:cSld>
+  <p:clrMapOvr>
+    <a:masterClrMapping/>
+  </p:clrMapOvr>
+</p:sld>
+</file>
+
+<file path=ppt/slides/slide12.xml><?xml version="1.0" encoding="utf-8"?>
+<p:sld xmlns:a="http://schemas.openxmlformats.org/drawingml/2006/main" xmlns:r="http://schemas.openxmlformats.org/officeDocument/2006/relationships" xmlns:p="http://schemas.openxmlformats.org/presentationml/2006/main">
+  <p:cSld>
+    <p:spTree>
+      <p:nvGrpSpPr>
+        <p:cNvPr id="1" name=""/>
+        <p:cNvGrpSpPr/>
+        <p:nvPr/>
+      </p:nvGrpSpPr>
+      <p:grpSpPr>
+        <a:xfrm>
+          <a:off x="0" y="0"/>
+          <a:ext cx="0" cy="0"/>
+          <a:chOff x="0" y="0"/>
+          <a:chExt cx="0" cy="0"/>
+        </a:xfrm>
+      </p:grpSpPr>
+      <p:sp>
+        <p:nvSpPr>
+          <p:cNvPr id="2" name="标题 1"/>
+          <p:cNvSpPr>
+            <a:spLocks noGrp="1"/>
+          </p:cNvSpPr>
+          <p:nvPr>
+            <p:ph type="title"/>
+          </p:nvPr>
+        </p:nvSpPr>
+        <p:spPr/>
+        <p:txBody>
+          <a:bodyPr/>
+          <a:lstStyle/>
+          <a:p>
+            <a:r>
+              <a:rPr lang="zh-CN" altLang="en-US" dirty="0"/>
               <a:t>补充</a:t>
+            </a:r>
+            <a:r>
+              <a:rPr lang="en-US" altLang="zh-CN" dirty="0"/>
+              <a:t/>
             </a:r>
             <a:br>
               <a:rPr lang="en-US" altLang="zh-CN" dirty="0"/>
@@ -3863,7 +4015,7 @@
 </p:sld>
 </file>
 
-<file path=ppt/slides/slide12.xml><?xml version="1.0" encoding="utf-8"?>
+<file path=ppt/slides/slide13.xml><?xml version="1.0" encoding="utf-8"?>
 <p:sld xmlns:a="http://schemas.openxmlformats.org/drawingml/2006/main" xmlns:r="http://schemas.openxmlformats.org/officeDocument/2006/relationships" xmlns:p="http://schemas.openxmlformats.org/presentationml/2006/main">
   <p:cSld>
     <p:spTree>
@@ -4599,78 +4751,6 @@
 </p:sld>
 </file>
 
-<file path=ppt/slides/slide13.xml><?xml version="1.0" encoding="utf-8"?>
-<p:sld xmlns:a="http://schemas.openxmlformats.org/drawingml/2006/main" xmlns:r="http://schemas.openxmlformats.org/officeDocument/2006/relationships" xmlns:p="http://schemas.openxmlformats.org/presentationml/2006/main">
-  <p:cSld>
-    <p:spTree>
-      <p:nvGrpSpPr>
-        <p:cNvPr id="1" name=""/>
-        <p:cNvGrpSpPr/>
-        <p:nvPr/>
-      </p:nvGrpSpPr>
-      <p:grpSpPr>
-        <a:xfrm>
-          <a:off x="0" y="0"/>
-          <a:ext cx="0" cy="0"/>
-          <a:chOff x="0" y="0"/>
-          <a:chExt cx="0" cy="0"/>
-        </a:xfrm>
-      </p:grpSpPr>
-      <p:sp>
-        <p:nvSpPr>
-          <p:cNvPr id="2" name="标题 1"/>
-          <p:cNvSpPr>
-            <a:spLocks noGrp="1"/>
-          </p:cNvSpPr>
-          <p:nvPr>
-            <p:ph type="title"/>
-          </p:nvPr>
-        </p:nvSpPr>
-        <p:spPr/>
-        <p:txBody>
-          <a:bodyPr/>
-          <a:lstStyle/>
-          <a:p>
-            <a:endParaRPr lang="zh-CN" altLang="en-US" dirty="0"/>
-          </a:p>
-        </p:txBody>
-      </p:sp>
-      <p:pic>
-        <p:nvPicPr>
-          <p:cNvPr id="4" name="内容占位符 3"/>
-          <p:cNvPicPr>
-            <a:picLocks noGrp="1" noChangeAspect="1"/>
-          </p:cNvPicPr>
-          <p:nvPr>
-            <p:ph idx="1"/>
-          </p:nvPr>
-        </p:nvPicPr>
-        <p:blipFill>
-          <a:blip r:embed="rId2"/>
-          <a:stretch>
-            <a:fillRect/>
-          </a:stretch>
-        </p:blipFill>
-        <p:spPr>
-          <a:xfrm>
-            <a:off x="407773" y="804519"/>
-            <a:ext cx="11360323" cy="5143318"/>
-          </a:xfrm>
-        </p:spPr>
-      </p:pic>
-    </p:spTree>
-    <p:extLst>
-      <p:ext uri="{BB962C8B-B14F-4D97-AF65-F5344CB8AC3E}">
-        <p14:creationId xmlns:p14="http://schemas.microsoft.com/office/powerpoint/2010/main" val="3259302844"/>
-      </p:ext>
-    </p:extLst>
-  </p:cSld>
-  <p:clrMapOvr>
-    <a:masterClrMapping/>
-  </p:clrMapOvr>
-</p:sld>
-</file>
-
 <file path=ppt/slides/slide14.xml><?xml version="1.0" encoding="utf-8"?>
 <p:sld xmlns:a="http://schemas.openxmlformats.org/drawingml/2006/main" xmlns:r="http://schemas.openxmlformats.org/officeDocument/2006/relationships" xmlns:p="http://schemas.openxmlformats.org/presentationml/2006/main">
   <p:cSld>
@@ -4703,112 +4783,37 @@
           <a:bodyPr/>
           <a:lstStyle/>
           <a:p>
-            <a:r>
-              <a:rPr lang="zh-CN" altLang="en-US" dirty="0"/>
-              <a:t>蓝牙与</a:t>
-            </a:r>
-            <a:r>
-              <a:rPr lang="en-US" altLang="zh-CN" dirty="0" err="1"/>
-              <a:t>arduino</a:t>
-            </a:r>
             <a:endParaRPr lang="zh-CN" altLang="en-US" dirty="0"/>
           </a:p>
         </p:txBody>
       </p:sp>
-      <p:sp>
-        <p:nvSpPr>
-          <p:cNvPr id="3" name="内容占位符 2"/>
-          <p:cNvSpPr>
-            <a:spLocks noGrp="1"/>
-          </p:cNvSpPr>
+      <p:pic>
+        <p:nvPicPr>
+          <p:cNvPr id="4" name="内容占位符 3"/>
+          <p:cNvPicPr>
+            <a:picLocks noGrp="1" noChangeAspect="1"/>
+          </p:cNvPicPr>
           <p:nvPr>
             <p:ph idx="1"/>
           </p:nvPr>
-        </p:nvSpPr>
-        <p:spPr/>
-        <p:txBody>
-          <a:bodyPr/>
-          <a:lstStyle/>
-          <a:p>
-            <a:r>
-              <a:rPr lang="en-US" altLang="zh-CN" dirty="0" err="1"/>
-              <a:t>Serial.parseInt</a:t>
-            </a:r>
-            <a:r>
-              <a:rPr lang="en-US" altLang="zh-CN" dirty="0"/>
-              <a:t>()</a:t>
-            </a:r>
-            <a:r>
-              <a:rPr lang="zh-CN" altLang="en-US" dirty="0"/>
-              <a:t>函数，作用是在收到的字符流中，找到数字字符，并累积在一起，直到收到一个非数字字符时，将前面收到的数字字符转换成一个整数。如果要传送多个数值，中间用逗号等分隔符隔开即可。比如三个数值，”</a:t>
-            </a:r>
-            <a:r>
-              <a:rPr lang="en-US" altLang="zh-CN" dirty="0"/>
-              <a:t>12</a:t>
-            </a:r>
-            <a:r>
-              <a:rPr lang="zh-CN" altLang="en-US" dirty="0"/>
-              <a:t>，</a:t>
-            </a:r>
-            <a:r>
-              <a:rPr lang="en-US" altLang="zh-CN" dirty="0"/>
-              <a:t>325</a:t>
-            </a:r>
-            <a:r>
-              <a:rPr lang="zh-CN" altLang="en-US" dirty="0"/>
-              <a:t>，</a:t>
-            </a:r>
-            <a:r>
-              <a:rPr lang="en-US" altLang="zh-CN" dirty="0"/>
-              <a:t>993“</a:t>
-            </a:r>
-            <a:r>
-              <a:rPr lang="zh-CN" altLang="en-US" dirty="0"/>
-              <a:t>，后面加一个自定义的结束符，作为字符串发给</a:t>
-            </a:r>
-            <a:r>
-              <a:rPr lang="en-US" altLang="zh-CN" dirty="0"/>
-              <a:t>Arduino</a:t>
-            </a:r>
-            <a:r>
-              <a:rPr lang="zh-CN" altLang="en-US" dirty="0"/>
-              <a:t>。（例程中用字符</a:t>
-            </a:r>
-            <a:r>
-              <a:rPr lang="en-US" altLang="zh-CN" dirty="0"/>
-              <a:t>"X”</a:t>
-            </a:r>
-            <a:r>
-              <a:rPr lang="zh-CN" altLang="en-US" dirty="0"/>
-              <a:t>作为结束符。）这样接收数据完整而可靠。接收</a:t>
-            </a:r>
-            <a:r>
-              <a:rPr lang="en-US" altLang="zh-CN" dirty="0"/>
-              <a:t>float</a:t>
-            </a:r>
-            <a:r>
-              <a:rPr lang="zh-CN" altLang="en-US" dirty="0"/>
-              <a:t>可以用</a:t>
-            </a:r>
-            <a:r>
-              <a:rPr lang="en-US" altLang="zh-CN" dirty="0" err="1"/>
-              <a:t>Serial.parseFloat</a:t>
-            </a:r>
-            <a:r>
-              <a:rPr lang="en-US" altLang="zh-CN" dirty="0"/>
-              <a:t>()</a:t>
-            </a:r>
-            <a:r>
-              <a:rPr lang="zh-CN" altLang="en-US" dirty="0"/>
-              <a:t>函数，用法一样。</a:t>
-            </a:r>
-          </a:p>
-        </p:txBody>
-      </p:sp>
+        </p:nvPicPr>
+        <p:blipFill>
+          <a:blip r:embed="rId2"/>
+          <a:stretch>
+            <a:fillRect/>
+          </a:stretch>
+        </p:blipFill>
+        <p:spPr>
+          <a:xfrm>
+            <a:off x="407773" y="804519"/>
+            <a:ext cx="11360323" cy="5143318"/>
+          </a:xfrm>
+        </p:spPr>
+      </p:pic>
     </p:spTree>
     <p:extLst>
       <p:ext uri="{BB962C8B-B14F-4D97-AF65-F5344CB8AC3E}">
-        <p14:creationId xmlns:p14="http://schemas.microsoft.com/office/powerpoint/2010/main" val="546366707"/>
+        <p14:creationId xmlns:p14="http://schemas.microsoft.com/office/powerpoint/2010/main" val="3259302844"/>
       </p:ext>
     </p:extLst>
   </p:cSld>
@@ -4852,8 +4857,13 @@
           <a:p>
             <a:r>
               <a:rPr lang="zh-CN" altLang="en-US" dirty="0"/>
-              <a:t>示例</a:t>
-            </a:r>
+              <a:t>蓝牙与</a:t>
+            </a:r>
+            <a:r>
+              <a:rPr lang="en-US" altLang="zh-CN" dirty="0" err="1"/>
+              <a:t>arduino</a:t>
+            </a:r>
+            <a:endParaRPr lang="zh-CN" altLang="en-US" dirty="0"/>
           </a:p>
         </p:txBody>
       </p:sp>
@@ -4872,92 +4882,85 @@
           <a:bodyPr/>
           <a:lstStyle/>
           <a:p>
-            <a:r>
-              <a:rPr lang="en-US" altLang="zh-CN" dirty="0"/>
-              <a:t>while (</a:t>
-            </a:r>
-            <a:r>
-              <a:rPr lang="en-US" altLang="zh-CN" dirty="0" err="1"/>
-              <a:t>Serial.available</a:t>
-            </a:r>
-            <a:r>
-              <a:rPr lang="en-US" altLang="zh-CN" dirty="0"/>
-              <a:t>() &gt; 0) {   // </a:t>
-            </a:r>
-            <a:r>
-              <a:rPr lang="zh-CN" altLang="en-US" dirty="0"/>
-              <a:t>串口收到字符数大于零。</a:t>
-            </a:r>
-          </a:p>
-          <a:p>
-            <a:r>
-              <a:rPr lang="zh-CN" altLang="en-US" dirty="0"/>
-              <a:t>    </a:t>
-            </a:r>
-            <a:r>
-              <a:rPr lang="en-US" altLang="zh-CN" dirty="0"/>
-              <a:t>p = </a:t>
-            </a:r>
             <a:r>
               <a:rPr lang="en-US" altLang="zh-CN" dirty="0" err="1"/>
               <a:t>Serial.parseInt</a:t>
             </a:r>
             <a:r>
               <a:rPr lang="en-US" altLang="zh-CN" dirty="0"/>
-              <a:t>();           // </a:t>
-            </a:r>
-            <a:r>
-              <a:rPr lang="zh-CN" altLang="en-US" dirty="0"/>
-              <a:t>在串口数据流中查找一个有效整数。</a:t>
-            </a:r>
-          </a:p>
-          <a:p>
-            <a:r>
-              <a:rPr lang="zh-CN" altLang="en-US" dirty="0"/>
-              <a:t>    </a:t>
+              <a:t>()</a:t>
+            </a:r>
+            <a:r>
+              <a:rPr lang="zh-CN" altLang="en-US" dirty="0"/>
+              <a:t>函数，作用是在收到的字符流中，找到数字字符，并累积在一起，直到收到一个非数字字符时，将前面收到的数字字符转换成一个整数。如果要传送多个数值，中间用逗号等分隔符隔开即可。比如三个数值，”</a:t>
             </a:r>
             <a:r>
               <a:rPr lang="en-US" altLang="zh-CN" dirty="0"/>
-              <a:t>if (</a:t>
+              <a:t>12</a:t>
+            </a:r>
+            <a:r>
+              <a:rPr lang="zh-CN" altLang="en-US" dirty="0"/>
+              <a:t>，</a:t>
+            </a:r>
+            <a:r>
+              <a:rPr lang="en-US" altLang="zh-CN" dirty="0"/>
+              <a:t>325</a:t>
+            </a:r>
+            <a:r>
+              <a:rPr lang="zh-CN" altLang="en-US" dirty="0"/>
+              <a:t>，</a:t>
+            </a:r>
+            <a:r>
+              <a:rPr lang="en-US" altLang="zh-CN" dirty="0"/>
+              <a:t>993“</a:t>
+            </a:r>
+            <a:r>
+              <a:rPr lang="zh-CN" altLang="en-US" dirty="0"/>
+              <a:t>，后面加一个自定义的结束符，作为字符串发给</a:t>
+            </a:r>
+            <a:r>
+              <a:rPr lang="en-US" altLang="zh-CN" dirty="0"/>
+              <a:t>Arduino</a:t>
+            </a:r>
+            <a:r>
+              <a:rPr lang="zh-CN" altLang="en-US" dirty="0"/>
+              <a:t>。（例程中用字符</a:t>
+            </a:r>
+            <a:r>
+              <a:rPr lang="en-US" altLang="zh-CN" dirty="0"/>
+              <a:t>"X”</a:t>
+            </a:r>
+            <a:r>
+              <a:rPr lang="zh-CN" altLang="en-US" dirty="0"/>
+              <a:t>作为结束符。）这样接收数据完整而可靠。接收</a:t>
+            </a:r>
+            <a:r>
+              <a:rPr lang="en-US" altLang="zh-CN" dirty="0"/>
+              <a:t>float</a:t>
+            </a:r>
+            <a:r>
+              <a:rPr lang="zh-CN" altLang="en-US" dirty="0"/>
+              <a:t>可以用</a:t>
             </a:r>
             <a:r>
               <a:rPr lang="en-US" altLang="zh-CN" dirty="0" err="1"/>
-              <a:t>Serial.read</a:t>
+              <a:t>Serial.parseFloat</a:t>
             </a:r>
             <a:r>
               <a:rPr lang="en-US" altLang="zh-CN" dirty="0"/>
-              <a:t>() == 'X') {      // </a:t>
-            </a:r>
-            <a:r>
-              <a:rPr lang="zh-CN" altLang="en-US" dirty="0"/>
-              <a:t>收到结束符后开始处理数据。</a:t>
-            </a:r>
-            <a:endParaRPr lang="en-US" altLang="zh-CN" dirty="0"/>
-          </a:p>
-          <a:p>
-            <a:r>
-              <a:rPr lang="en-US" altLang="zh-CN" dirty="0"/>
-              <a:t>    }</a:t>
-            </a:r>
-          </a:p>
-          <a:p>
-            <a:r>
-              <a:rPr lang="en-US" altLang="zh-CN" dirty="0"/>
-              <a:t>}</a:t>
-            </a:r>
-          </a:p>
-          <a:p>
-            <a:pPr marL="457200" lvl="1" indent="0">
-              <a:buNone/>
-            </a:pPr>
-            <a:endParaRPr lang="en-US" altLang="zh-CN" dirty="0"/>
+              <a:t>()</a:t>
+            </a:r>
+            <a:r>
+              <a:rPr lang="zh-CN" altLang="en-US" dirty="0"/>
+              <a:t>函数，用法一样。</a:t>
+            </a:r>
           </a:p>
         </p:txBody>
       </p:sp>
     </p:spTree>
     <p:extLst>
       <p:ext uri="{BB962C8B-B14F-4D97-AF65-F5344CB8AC3E}">
-        <p14:creationId xmlns:p14="http://schemas.microsoft.com/office/powerpoint/2010/main" val="1867943042"/>
+        <p14:creationId xmlns:p14="http://schemas.microsoft.com/office/powerpoint/2010/main" val="546366707"/>
       </p:ext>
     </p:extLst>
   </p:cSld>
@@ -5000,52 +5003,113 @@
           <a:lstStyle/>
           <a:p>
             <a:r>
+              <a:rPr lang="zh-CN" altLang="en-US" dirty="0"/>
+              <a:t>示例</a:t>
+            </a:r>
+          </a:p>
+        </p:txBody>
+      </p:sp>
+      <p:sp>
+        <p:nvSpPr>
+          <p:cNvPr id="3" name="内容占位符 2"/>
+          <p:cNvSpPr>
+            <a:spLocks noGrp="1"/>
+          </p:cNvSpPr>
+          <p:nvPr>
+            <p:ph idx="1"/>
+          </p:nvPr>
+        </p:nvSpPr>
+        <p:spPr/>
+        <p:txBody>
+          <a:bodyPr/>
+          <a:lstStyle/>
+          <a:p>
+            <a:r>
               <a:rPr lang="en-US" altLang="zh-CN" dirty="0"/>
-              <a:t>MPU6050</a:t>
-            </a:r>
-            <a:br>
+              <a:t>while (</a:t>
+            </a:r>
+            <a:r>
+              <a:rPr lang="en-US" altLang="zh-CN" dirty="0" err="1"/>
+              <a:t>Serial.available</a:t>
+            </a:r>
+            <a:r>
               <a:rPr lang="en-US" altLang="zh-CN" dirty="0"/>
-            </a:br>
-            <a:r>
-              <a:rPr lang="zh-CN" altLang="en-US" dirty="0"/>
-              <a:t>（陀螺仪加速度计）</a:t>
-            </a:r>
-          </a:p>
-        </p:txBody>
-      </p:sp>
-      <p:sp>
-        <p:nvSpPr>
-          <p:cNvPr id="3" name="内容占位符 2"/>
-          <p:cNvSpPr>
-            <a:spLocks noGrp="1"/>
-          </p:cNvSpPr>
-          <p:nvPr>
-            <p:ph idx="1"/>
-          </p:nvPr>
-        </p:nvSpPr>
-        <p:spPr/>
-        <p:txBody>
-          <a:bodyPr/>
-          <a:lstStyle/>
-          <a:p>
-            <a:r>
-              <a:rPr lang="zh-CN" altLang="en-US" dirty="0"/>
-              <a:t>电路连接</a:t>
+              <a:t>() &gt; 0) {   // </a:t>
+            </a:r>
+            <a:r>
+              <a:rPr lang="zh-CN" altLang="en-US" dirty="0"/>
+              <a:t>串口收到字符数大于零。</a:t>
+            </a:r>
+          </a:p>
+          <a:p>
+            <a:r>
+              <a:rPr lang="zh-CN" altLang="en-US" dirty="0"/>
+              <a:t>    </a:t>
+            </a:r>
+            <a:r>
+              <a:rPr lang="en-US" altLang="zh-CN" dirty="0"/>
+              <a:t>p = </a:t>
+            </a:r>
+            <a:r>
+              <a:rPr lang="en-US" altLang="zh-CN" dirty="0" err="1"/>
+              <a:t>Serial.parseInt</a:t>
+            </a:r>
+            <a:r>
+              <a:rPr lang="en-US" altLang="zh-CN" dirty="0"/>
+              <a:t>();           // </a:t>
+            </a:r>
+            <a:r>
+              <a:rPr lang="zh-CN" altLang="en-US" dirty="0"/>
+              <a:t>在串口数据流中查找一个有效整数。</a:t>
+            </a:r>
+          </a:p>
+          <a:p>
+            <a:r>
+              <a:rPr lang="zh-CN" altLang="en-US" dirty="0"/>
+              <a:t>    </a:t>
+            </a:r>
+            <a:r>
+              <a:rPr lang="en-US" altLang="zh-CN" dirty="0"/>
+              <a:t>if (</a:t>
+            </a:r>
+            <a:r>
+              <a:rPr lang="en-US" altLang="zh-CN" dirty="0" err="1"/>
+              <a:t>Serial.read</a:t>
+            </a:r>
+            <a:r>
+              <a:rPr lang="en-US" altLang="zh-CN" dirty="0"/>
+              <a:t>() == 'X') {      // </a:t>
+            </a:r>
+            <a:r>
+              <a:rPr lang="zh-CN" altLang="en-US" dirty="0"/>
+              <a:t>收到结束符后开始处理数据。</a:t>
             </a:r>
             <a:endParaRPr lang="en-US" altLang="zh-CN" dirty="0"/>
           </a:p>
           <a:p>
             <a:r>
-              <a:rPr lang="zh-CN" altLang="en-US" dirty="0"/>
-              <a:t>程序</a:t>
-            </a:r>
+              <a:rPr lang="en-US" altLang="zh-CN" dirty="0"/>
+              <a:t>    }</a:t>
+            </a:r>
+          </a:p>
+          <a:p>
+            <a:r>
+              <a:rPr lang="en-US" altLang="zh-CN" dirty="0"/>
+              <a:t>}</a:t>
+            </a:r>
+          </a:p>
+          <a:p>
+            <a:pPr marL="457200" lvl="1" indent="0">
+              <a:buNone/>
+            </a:pPr>
+            <a:endParaRPr lang="en-US" altLang="zh-CN" dirty="0"/>
           </a:p>
         </p:txBody>
       </p:sp>
     </p:spTree>
     <p:extLst>
       <p:ext uri="{BB962C8B-B14F-4D97-AF65-F5344CB8AC3E}">
-        <p14:creationId xmlns:p14="http://schemas.microsoft.com/office/powerpoint/2010/main" val="1701946111"/>
+        <p14:creationId xmlns:p14="http://schemas.microsoft.com/office/powerpoint/2010/main" val="1867943042"/>
       </p:ext>
     </p:extLst>
   </p:cSld>
@@ -5088,80 +5152,52 @@
           <a:lstStyle/>
           <a:p>
             <a:r>
+              <a:rPr lang="en-US" altLang="zh-CN" dirty="0"/>
+              <a:t>MPU6050</a:t>
+            </a:r>
+            <a:br>
+              <a:rPr lang="en-US" altLang="zh-CN" dirty="0"/>
+            </a:br>
+            <a:r>
+              <a:rPr lang="zh-CN" altLang="en-US" dirty="0"/>
+              <a:t>（陀螺仪加速度计）</a:t>
+            </a:r>
+          </a:p>
+        </p:txBody>
+      </p:sp>
+      <p:sp>
+        <p:nvSpPr>
+          <p:cNvPr id="3" name="内容占位符 2"/>
+          <p:cNvSpPr>
+            <a:spLocks noGrp="1"/>
+          </p:cNvSpPr>
+          <p:nvPr>
+            <p:ph idx="1"/>
+          </p:nvPr>
+        </p:nvSpPr>
+        <p:spPr/>
+        <p:txBody>
+          <a:bodyPr/>
+          <a:lstStyle/>
+          <a:p>
+            <a:r>
               <a:rPr lang="zh-CN" altLang="en-US" dirty="0"/>
               <a:t>电路连接</a:t>
             </a:r>
-          </a:p>
-        </p:txBody>
-      </p:sp>
-      <p:sp>
-        <p:nvSpPr>
-          <p:cNvPr id="3" name="内容占位符 2"/>
-          <p:cNvSpPr>
-            <a:spLocks noGrp="1"/>
-          </p:cNvSpPr>
-          <p:nvPr>
-            <p:ph sz="half" idx="1"/>
-          </p:nvPr>
-        </p:nvSpPr>
-        <p:spPr/>
-        <p:txBody>
-          <a:bodyPr/>
-          <a:lstStyle/>
-          <a:p>
-            <a:r>
-              <a:rPr lang="en-US" altLang="zh-CN" dirty="0"/>
-              <a:t>VCC--------5v</a:t>
-            </a:r>
-          </a:p>
-          <a:p>
-            <a:r>
-              <a:rPr lang="en-US" altLang="zh-CN" dirty="0"/>
-              <a:t>GND--------GND</a:t>
-            </a:r>
-          </a:p>
-          <a:p>
-            <a:r>
-              <a:rPr lang="en-US" altLang="zh-CN" dirty="0"/>
-              <a:t>SCL----------SCL</a:t>
-            </a:r>
-          </a:p>
-          <a:p>
-            <a:r>
-              <a:rPr lang="en-US" altLang="zh-CN" dirty="0"/>
-              <a:t>SDA---------SDA</a:t>
-            </a:r>
-            <a:endParaRPr lang="zh-CN" altLang="en-US" dirty="0"/>
-          </a:p>
-        </p:txBody>
-      </p:sp>
-      <p:sp>
-        <p:nvSpPr>
-          <p:cNvPr id="4" name="内容占位符 3"/>
-          <p:cNvSpPr>
-            <a:spLocks noGrp="1"/>
-          </p:cNvSpPr>
-          <p:nvPr>
-            <p:ph sz="half" idx="2"/>
-          </p:nvPr>
-        </p:nvSpPr>
-        <p:spPr/>
-        <p:txBody>
-          <a:bodyPr/>
-          <a:lstStyle/>
-          <a:p>
-            <a:r>
-              <a:rPr lang="en-US" altLang="zh-CN" dirty="0"/>
-              <a:t>A4 (SDA), A5 (SCL)</a:t>
-            </a:r>
-            <a:endParaRPr lang="zh-CN" altLang="en-US" dirty="0"/>
+            <a:endParaRPr lang="en-US" altLang="zh-CN" dirty="0"/>
+          </a:p>
+          <a:p>
+            <a:r>
+              <a:rPr lang="zh-CN" altLang="en-US" dirty="0"/>
+              <a:t>程序</a:t>
+            </a:r>
           </a:p>
         </p:txBody>
       </p:sp>
     </p:spTree>
     <p:extLst>
       <p:ext uri="{BB962C8B-B14F-4D97-AF65-F5344CB8AC3E}">
-        <p14:creationId xmlns:p14="http://schemas.microsoft.com/office/powerpoint/2010/main" val="2211163351"/>
+        <p14:creationId xmlns:p14="http://schemas.microsoft.com/office/powerpoint/2010/main" val="1701946111"/>
       </p:ext>
     </p:extLst>
   </p:cSld>
@@ -5205,7 +5241,7 @@
           <a:p>
             <a:r>
               <a:rPr lang="zh-CN" altLang="en-US" dirty="0"/>
-              <a:t>程序</a:t>
+              <a:t>电路连接</a:t>
             </a:r>
           </a:p>
         </p:txBody>
@@ -5217,7 +5253,7 @@
             <a:spLocks noGrp="1"/>
           </p:cNvSpPr>
           <p:nvPr>
-            <p:ph idx="1"/>
+            <p:ph sz="half" idx="1"/>
           </p:nvPr>
         </p:nvSpPr>
         <p:spPr/>
@@ -5225,73 +5261,59 @@
           <a:bodyPr/>
           <a:lstStyle/>
           <a:p>
-            <a:pPr marL="0" indent="0">
-              <a:buNone/>
-            </a:pPr>
             <a:r>
               <a:rPr lang="en-US" altLang="zh-CN" dirty="0"/>
-              <a:t>Example:</a:t>
-            </a:r>
-          </a:p>
-          <a:p>
-            <a:pPr marL="0" indent="0">
-              <a:buNone/>
-            </a:pPr>
+              <a:t>VCC--------5v</a:t>
+            </a:r>
+          </a:p>
+          <a:p>
             <a:r>
               <a:rPr lang="en-US" altLang="zh-CN" dirty="0"/>
-              <a:t>1.raw:</a:t>
-            </a:r>
-          </a:p>
-          <a:p>
-            <a:pPr marL="0" indent="0">
-              <a:buNone/>
-            </a:pPr>
+              <a:t>GND--------GND</a:t>
+            </a:r>
+          </a:p>
+          <a:p>
             <a:r>
               <a:rPr lang="en-US" altLang="zh-CN" dirty="0"/>
-              <a:t>	</a:t>
-            </a:r>
-            <a:r>
-              <a:rPr lang="zh-CN" altLang="en-US" dirty="0"/>
-              <a:t>输出</a:t>
-            </a:r>
+              <a:t>SCL----------SCL</a:t>
+            </a:r>
+          </a:p>
+          <a:p>
             <a:r>
               <a:rPr lang="en-US" altLang="zh-CN" dirty="0"/>
-              <a:t>mpu6050</a:t>
-            </a:r>
-            <a:r>
-              <a:rPr lang="zh-CN" altLang="en-US" dirty="0"/>
-              <a:t>原始数据</a:t>
-            </a:r>
-            <a:endParaRPr lang="en-US" altLang="zh-CN" dirty="0"/>
-          </a:p>
-          <a:p>
-            <a:pPr marL="0" indent="0">
-              <a:buNone/>
-            </a:pPr>
+              <a:t>SDA---------SDA</a:t>
+            </a:r>
+            <a:endParaRPr lang="zh-CN" altLang="en-US" dirty="0"/>
+          </a:p>
+        </p:txBody>
+      </p:sp>
+      <p:sp>
+        <p:nvSpPr>
+          <p:cNvPr id="4" name="内容占位符 3"/>
+          <p:cNvSpPr>
+            <a:spLocks noGrp="1"/>
+          </p:cNvSpPr>
+          <p:nvPr>
+            <p:ph sz="half" idx="2"/>
+          </p:nvPr>
+        </p:nvSpPr>
+        <p:spPr/>
+        <p:txBody>
+          <a:bodyPr/>
+          <a:lstStyle/>
+          <a:p>
             <a:r>
               <a:rPr lang="en-US" altLang="zh-CN" dirty="0"/>
-              <a:t>2.dmp:</a:t>
-            </a:r>
-          </a:p>
-          <a:p>
-            <a:pPr marL="0" indent="0">
-              <a:buNone/>
-            </a:pPr>
-            <a:r>
-              <a:rPr lang="en-US" altLang="zh-CN" dirty="0"/>
-              <a:t>	</a:t>
-            </a:r>
-            <a:r>
-              <a:rPr lang="zh-CN" altLang="en-US" dirty="0"/>
-              <a:t>经过数字信号处理的数据</a:t>
-            </a:r>
+              <a:t>A4 (SDA), A5 (SCL)</a:t>
+            </a:r>
+            <a:endParaRPr lang="zh-CN" altLang="en-US" dirty="0"/>
           </a:p>
         </p:txBody>
       </p:sp>
     </p:spTree>
     <p:extLst>
       <p:ext uri="{BB962C8B-B14F-4D97-AF65-F5344CB8AC3E}">
-        <p14:creationId xmlns:p14="http://schemas.microsoft.com/office/powerpoint/2010/main" val="1721399030"/>
+        <p14:creationId xmlns:p14="http://schemas.microsoft.com/office/powerpoint/2010/main" val="2211163351"/>
       </p:ext>
     </p:extLst>
   </p:cSld>
@@ -5335,7 +5357,7 @@
           <a:p>
             <a:r>
               <a:rPr lang="zh-CN" altLang="en-US" dirty="0"/>
-              <a:t>使用数据</a:t>
+              <a:t>程序</a:t>
             </a:r>
           </a:p>
         </p:txBody>
@@ -5355,33 +5377,73 @@
           <a:bodyPr/>
           <a:lstStyle/>
           <a:p>
+            <a:pPr marL="0" indent="0">
+              <a:buNone/>
+            </a:pPr>
             <a:r>
               <a:rPr lang="en-US" altLang="zh-CN" dirty="0"/>
-              <a:t>Pitch:</a:t>
-            </a:r>
-            <a:r>
-              <a:rPr lang="zh-CN" altLang="en-US" dirty="0"/>
-              <a:t>俯仰角（控制前进后退）</a:t>
+              <a:t>Example:</a:t>
+            </a:r>
+          </a:p>
+          <a:p>
+            <a:pPr marL="0" indent="0">
+              <a:buNone/>
+            </a:pPr>
+            <a:r>
+              <a:rPr lang="en-US" altLang="zh-CN" dirty="0"/>
+              <a:t>1.raw:</a:t>
+            </a:r>
+          </a:p>
+          <a:p>
+            <a:pPr marL="0" indent="0">
+              <a:buNone/>
+            </a:pPr>
+            <a:r>
+              <a:rPr lang="en-US" altLang="zh-CN" dirty="0"/>
+              <a:t>	</a:t>
+            </a:r>
+            <a:r>
+              <a:rPr lang="zh-CN" altLang="en-US" dirty="0"/>
+              <a:t>输出</a:t>
+            </a:r>
+            <a:r>
+              <a:rPr lang="en-US" altLang="zh-CN" dirty="0"/>
+              <a:t>mpu6050</a:t>
+            </a:r>
+            <a:r>
+              <a:rPr lang="zh-CN" altLang="en-US" dirty="0"/>
+              <a:t>原始数据</a:t>
             </a:r>
             <a:endParaRPr lang="en-US" altLang="zh-CN" dirty="0"/>
           </a:p>
           <a:p>
+            <a:pPr marL="0" indent="0">
+              <a:buNone/>
+            </a:pPr>
             <a:r>
               <a:rPr lang="en-US" altLang="zh-CN" dirty="0"/>
-              <a:t>Roll:</a:t>
-            </a:r>
-            <a:r>
-              <a:rPr lang="zh-CN" altLang="en-US" dirty="0"/>
-              <a:t> 横滚角（控制左右转弯）</a:t>
-            </a:r>
-            <a:endParaRPr lang="en-US" altLang="zh-CN" dirty="0"/>
+              <a:t>2.dmp:</a:t>
+            </a:r>
+          </a:p>
+          <a:p>
+            <a:pPr marL="0" indent="0">
+              <a:buNone/>
+            </a:pPr>
+            <a:r>
+              <a:rPr lang="en-US" altLang="zh-CN" dirty="0"/>
+              <a:t>	</a:t>
+            </a:r>
+            <a:r>
+              <a:rPr lang="zh-CN" altLang="en-US" dirty="0"/>
+              <a:t>经过数字信号处理的数据</a:t>
+            </a:r>
           </a:p>
         </p:txBody>
       </p:sp>
     </p:spTree>
     <p:extLst>
       <p:ext uri="{BB962C8B-B14F-4D97-AF65-F5344CB8AC3E}">
-        <p14:creationId xmlns:p14="http://schemas.microsoft.com/office/powerpoint/2010/main" val="2021342956"/>
+        <p14:creationId xmlns:p14="http://schemas.microsoft.com/office/powerpoint/2010/main" val="1721399030"/>
       </p:ext>
     </p:extLst>
   </p:cSld>
@@ -7157,6 +7219,96 @@
 </p:sld>
 </file>
 
+<file path=ppt/slides/slide20.xml><?xml version="1.0" encoding="utf-8"?>
+<p:sld xmlns:a="http://schemas.openxmlformats.org/drawingml/2006/main" xmlns:r="http://schemas.openxmlformats.org/officeDocument/2006/relationships" xmlns:p="http://schemas.openxmlformats.org/presentationml/2006/main">
+  <p:cSld>
+    <p:spTree>
+      <p:nvGrpSpPr>
+        <p:cNvPr id="1" name=""/>
+        <p:cNvGrpSpPr/>
+        <p:nvPr/>
+      </p:nvGrpSpPr>
+      <p:grpSpPr>
+        <a:xfrm>
+          <a:off x="0" y="0"/>
+          <a:ext cx="0" cy="0"/>
+          <a:chOff x="0" y="0"/>
+          <a:chExt cx="0" cy="0"/>
+        </a:xfrm>
+      </p:grpSpPr>
+      <p:sp>
+        <p:nvSpPr>
+          <p:cNvPr id="2" name="标题 1"/>
+          <p:cNvSpPr>
+            <a:spLocks noGrp="1"/>
+          </p:cNvSpPr>
+          <p:nvPr>
+            <p:ph type="title"/>
+          </p:nvPr>
+        </p:nvSpPr>
+        <p:spPr/>
+        <p:txBody>
+          <a:bodyPr/>
+          <a:lstStyle/>
+          <a:p>
+            <a:r>
+              <a:rPr lang="zh-CN" altLang="en-US" dirty="0"/>
+              <a:t>使用数据</a:t>
+            </a:r>
+          </a:p>
+        </p:txBody>
+      </p:sp>
+      <p:sp>
+        <p:nvSpPr>
+          <p:cNvPr id="3" name="内容占位符 2"/>
+          <p:cNvSpPr>
+            <a:spLocks noGrp="1"/>
+          </p:cNvSpPr>
+          <p:nvPr>
+            <p:ph idx="1"/>
+          </p:nvPr>
+        </p:nvSpPr>
+        <p:spPr/>
+        <p:txBody>
+          <a:bodyPr/>
+          <a:lstStyle/>
+          <a:p>
+            <a:r>
+              <a:rPr lang="en-US" altLang="zh-CN" dirty="0"/>
+              <a:t>Pitch:</a:t>
+            </a:r>
+            <a:r>
+              <a:rPr lang="zh-CN" altLang="en-US" dirty="0"/>
+              <a:t>俯仰角（控制前进后退）</a:t>
+            </a:r>
+            <a:endParaRPr lang="en-US" altLang="zh-CN" dirty="0"/>
+          </a:p>
+          <a:p>
+            <a:r>
+              <a:rPr lang="en-US" altLang="zh-CN" dirty="0"/>
+              <a:t>Roll:</a:t>
+            </a:r>
+            <a:r>
+              <a:rPr lang="zh-CN" altLang="en-US" dirty="0"/>
+              <a:t> 横滚角（控制左右转弯）</a:t>
+            </a:r>
+            <a:endParaRPr lang="en-US" altLang="zh-CN" dirty="0"/>
+          </a:p>
+        </p:txBody>
+      </p:sp>
+    </p:spTree>
+    <p:extLst>
+      <p:ext uri="{BB962C8B-B14F-4D97-AF65-F5344CB8AC3E}">
+        <p14:creationId xmlns:p14="http://schemas.microsoft.com/office/powerpoint/2010/main" val="2021342956"/>
+      </p:ext>
+    </p:extLst>
+  </p:cSld>
+  <p:clrMapOvr>
+    <a:masterClrMapping/>
+  </p:clrMapOvr>
+</p:sld>
+</file>
+
 <file path=ppt/slides/slide3.xml><?xml version="1.0" encoding="utf-8"?>
 <p:sld xmlns:a="http://schemas.openxmlformats.org/drawingml/2006/main" xmlns:r="http://schemas.openxmlformats.org/officeDocument/2006/relationships" xmlns:p="http://schemas.openxmlformats.org/presentationml/2006/main">
   <p:cSld>
@@ -7485,6 +7637,10 @@
               <a:rPr lang="zh-CN" altLang="en-US" dirty="0"/>
               <a:t>蓝牙</a:t>
             </a:r>
+            <a:r>
+              <a:rPr lang="en-US" altLang="zh-CN" dirty="0"/>
+              <a:t/>
+            </a:r>
             <a:br>
               <a:rPr lang="en-US" altLang="zh-CN" dirty="0"/>
             </a:br>
@@ -7596,6 +7752,10 @@
               <a:rPr lang="zh-CN" altLang="en-US" dirty="0"/>
               <a:t>协议</a:t>
             </a:r>
+            <a:r>
+              <a:rPr lang="en-US" altLang="zh-CN" dirty="0"/>
+              <a:t/>
+            </a:r>
             <a:br>
               <a:rPr lang="en-US" altLang="zh-CN" dirty="0"/>
             </a:br>
@@ -7710,6 +7870,10 @@
             <a:r>
               <a:rPr lang="zh-CN" altLang="en-US" dirty="0"/>
               <a:t>指令模式</a:t>
+            </a:r>
+            <a:r>
+              <a:rPr lang="en-US" altLang="zh-CN" dirty="0"/>
+              <a:t/>
             </a:r>
             <a:br>
               <a:rPr lang="en-US" altLang="zh-CN" dirty="0"/>
@@ -8077,6 +8241,10 @@
               <a:rPr lang="zh-CN" altLang="en-US" dirty="0"/>
               <a:t>软件</a:t>
             </a:r>
+            <a:r>
+              <a:rPr lang="en-US" altLang="zh-CN" dirty="0"/>
+              <a:t/>
+            </a:r>
             <a:br>
               <a:rPr lang="en-US" altLang="zh-CN" dirty="0"/>
             </a:br>
@@ -8235,6 +8403,10 @@
             <a:r>
               <a:rPr lang="zh-CN" altLang="en-US" dirty="0"/>
               <a:t>指令集</a:t>
+            </a:r>
+            <a:r>
+              <a:rPr lang="en-US" altLang="zh-CN" dirty="0"/>
+              <a:t/>
             </a:r>
             <a:br>
               <a:rPr lang="en-US" altLang="zh-CN" dirty="0"/>
